--- a/Finale Präsentation.pptx
+++ b/Finale Präsentation.pptx
@@ -5,7 +5,7 @@
     <p:sldMasterId id="2147483648" r:id="rId1"/>
   </p:sldMasterIdLst>
   <p:notesMasterIdLst>
-    <p:notesMasterId r:id="rId15"/>
+    <p:notesMasterId r:id="rId25"/>
   </p:notesMasterIdLst>
   <p:sldIdLst>
     <p:sldId id="256" r:id="rId2"/>
@@ -21,6 +21,16 @@
     <p:sldId id="266" r:id="rId12"/>
     <p:sldId id="267" r:id="rId13"/>
     <p:sldId id="268" r:id="rId14"/>
+    <p:sldId id="269" r:id="rId15"/>
+    <p:sldId id="270" r:id="rId16"/>
+    <p:sldId id="271" r:id="rId17"/>
+    <p:sldId id="272" r:id="rId18"/>
+    <p:sldId id="273" r:id="rId19"/>
+    <p:sldId id="277" r:id="rId20"/>
+    <p:sldId id="274" r:id="rId21"/>
+    <p:sldId id="275" r:id="rId22"/>
+    <p:sldId id="278" r:id="rId23"/>
+    <p:sldId id="276" r:id="rId24"/>
   </p:sldIdLst>
   <p:sldSz cx="12192000" cy="6858000"/>
   <p:notesSz cx="6858000" cy="9144000"/>
@@ -119,6 +129,11 @@
       </a:defRPr>
     </a:lvl9pPr>
   </p:defaultTextStyle>
+  <p:extLst>
+    <p:ext uri="{EFAFB233-063F-42B5-8137-9DF3F51BA10A}">
+      <p15:sldGuideLst xmlns:p15="http://schemas.microsoft.com/office/powerpoint/2012/main"/>
+    </p:ext>
+  </p:extLst>
 </p:presentation>
 </file>
 
@@ -204,7 +219,7 @@
           <a:p>
             <a:fld id="{FFDD4623-2897-493B-A7DB-6DE9A00B2531}" type="datetimeFigureOut">
               <a:rPr lang="de-DE" smtClean="0"/>
-              <a:t>28.09.2015</a:t>
+              <a:t>29.09.2015</a:t>
             </a:fld>
             <a:endParaRPr lang="de-DE"/>
           </a:p>
@@ -687,7 +702,7 @@
           <a:p>
             <a:fld id="{23AF8C4C-7D64-4405-9B24-5449A2CEC930}" type="datetime1">
               <a:rPr lang="de-DE" smtClean="0"/>
-              <a:t>28.09.2015</a:t>
+              <a:t>29.09.2015</a:t>
             </a:fld>
             <a:endParaRPr lang="de-DE"/>
           </a:p>
@@ -857,7 +872,7 @@
           <a:p>
             <a:fld id="{32D51906-0CD3-412D-AFFF-3D87DBBFBAA3}" type="datetime1">
               <a:rPr lang="de-DE" smtClean="0"/>
-              <a:t>28.09.2015</a:t>
+              <a:t>29.09.2015</a:t>
             </a:fld>
             <a:endParaRPr lang="de-DE"/>
           </a:p>
@@ -1037,7 +1052,7 @@
           <a:p>
             <a:fld id="{ECDF7C70-AFE0-435E-A95C-CA506B7838D5}" type="datetime1">
               <a:rPr lang="de-DE" smtClean="0"/>
-              <a:t>28.09.2015</a:t>
+              <a:t>29.09.2015</a:t>
             </a:fld>
             <a:endParaRPr lang="de-DE"/>
           </a:p>
@@ -1207,7 +1222,7 @@
           <a:p>
             <a:fld id="{43EADD17-EDA7-4190-BE0A-00F3AB70E81E}" type="datetime1">
               <a:rPr lang="de-DE" smtClean="0"/>
-              <a:t>28.09.2015</a:t>
+              <a:t>29.09.2015</a:t>
             </a:fld>
             <a:endParaRPr lang="de-DE"/>
           </a:p>
@@ -1453,7 +1468,7 @@
           <a:p>
             <a:fld id="{5654A2DD-751D-4632-9990-4939B991C132}" type="datetime1">
               <a:rPr lang="de-DE" smtClean="0"/>
-              <a:t>28.09.2015</a:t>
+              <a:t>29.09.2015</a:t>
             </a:fld>
             <a:endParaRPr lang="de-DE"/>
           </a:p>
@@ -1685,7 +1700,7 @@
           <a:p>
             <a:fld id="{098827EB-B21F-4A27-AD0A-C22BB5793DD5}" type="datetime1">
               <a:rPr lang="de-DE" smtClean="0"/>
-              <a:t>28.09.2015</a:t>
+              <a:t>29.09.2015</a:t>
             </a:fld>
             <a:endParaRPr lang="de-DE"/>
           </a:p>
@@ -2052,7 +2067,7 @@
           <a:p>
             <a:fld id="{BEAFB267-6443-49D2-B835-A18D0F33B586}" type="datetime1">
               <a:rPr lang="de-DE" smtClean="0"/>
-              <a:t>28.09.2015</a:t>
+              <a:t>29.09.2015</a:t>
             </a:fld>
             <a:endParaRPr lang="de-DE"/>
           </a:p>
@@ -2170,7 +2185,7 @@
           <a:p>
             <a:fld id="{71105735-7FB8-42B6-B004-2CF2D9DCB465}" type="datetime1">
               <a:rPr lang="de-DE" smtClean="0"/>
-              <a:t>28.09.2015</a:t>
+              <a:t>29.09.2015</a:t>
             </a:fld>
             <a:endParaRPr lang="de-DE"/>
           </a:p>
@@ -2265,7 +2280,7 @@
           <a:p>
             <a:fld id="{DDC20371-C35F-4A88-B01B-547252A0B0DC}" type="datetime1">
               <a:rPr lang="de-DE" smtClean="0"/>
-              <a:t>28.09.2015</a:t>
+              <a:t>29.09.2015</a:t>
             </a:fld>
             <a:endParaRPr lang="de-DE"/>
           </a:p>
@@ -2542,7 +2557,7 @@
           <a:p>
             <a:fld id="{1D6FA6A8-0A31-4FED-AA6B-08FF694675DA}" type="datetime1">
               <a:rPr lang="de-DE" smtClean="0"/>
-              <a:t>28.09.2015</a:t>
+              <a:t>29.09.2015</a:t>
             </a:fld>
             <a:endParaRPr lang="de-DE"/>
           </a:p>
@@ -2795,7 +2810,7 @@
           <a:p>
             <a:fld id="{C17584BE-AEB3-4555-B889-35B6E96FFC78}" type="datetime1">
               <a:rPr lang="de-DE" smtClean="0"/>
-              <a:t>28.09.2015</a:t>
+              <a:t>29.09.2015</a:t>
             </a:fld>
             <a:endParaRPr lang="de-DE"/>
           </a:p>
@@ -3008,7 +3023,7 @@
           <a:p>
             <a:fld id="{441700E9-A50F-4D8D-8FA6-A130BF0D4EDD}" type="datetime1">
               <a:rPr lang="de-DE" smtClean="0"/>
-              <a:t>28.09.2015</a:t>
+              <a:t>29.09.2015</a:t>
             </a:fld>
             <a:endParaRPr lang="de-DE"/>
           </a:p>
@@ -3438,7 +3453,15 @@
           <a:p>
             <a:r>
               <a:rPr lang="de-DE" sz="8000" b="1" dirty="0" smtClean="0"/>
-              <a:t>Mensch ärgere dich nicht</a:t>
+              <a:t>Mensch ärgere </a:t>
+            </a:r>
+            <a:r>
+              <a:rPr lang="de-DE" sz="8000" b="1" dirty="0" smtClean="0"/>
+              <a:t>Dich </a:t>
+            </a:r>
+            <a:r>
+              <a:rPr lang="de-DE" sz="8000" b="1" dirty="0" smtClean="0"/>
+              <a:t>nicht</a:t>
             </a:r>
             <a:endParaRPr lang="de-DE" sz="8000" b="1" dirty="0"/>
           </a:p>
@@ -3453,14 +3476,14 @@
           <p:nvPr>
             <p:extLst>
               <p:ext uri="{D42A27DB-BD31-4B8C-83A1-F6EECF244321}">
-                <p14:modId xmlns:p14="http://schemas.microsoft.com/office/powerpoint/2010/main" val="1864196699"/>
+                <p14:modId xmlns:p14="http://schemas.microsoft.com/office/powerpoint/2010/main" val="2908047457"/>
               </p:ext>
             </p:extLst>
           </p:nvPr>
         </p:nvGraphicFramePr>
         <p:xfrm>
-          <a:off x="2032000" y="5462463"/>
-          <a:ext cx="8128000" cy="741680"/>
+          <a:off x="3513069" y="5436705"/>
+          <a:ext cx="5165860" cy="741680"/>
         </p:xfrm>
         <a:graphic>
           <a:graphicData uri="http://schemas.openxmlformats.org/drawingml/2006/table">
@@ -3469,8 +3492,8 @@
                 <a:tableStyleId>{2D5ABB26-0587-4C30-8999-92F81FD0307C}</a:tableStyleId>
               </a:tblPr>
               <a:tblGrid>
-                <a:gridCol w="4064000"/>
-                <a:gridCol w="4064000"/>
+                <a:gridCol w="2582930"/>
+                <a:gridCol w="2582930"/>
               </a:tblGrid>
               <a:tr h="370840">
                 <a:tc>
@@ -3478,6 +3501,7 @@
                     <a:bodyPr/>
                     <a:lstStyle/>
                     <a:p>
+                      <a:pPr algn="l"/>
                       <a:r>
                         <a:rPr lang="de-DE" dirty="0" smtClean="0"/>
                         <a:t>Lukas </a:t>
@@ -3496,6 +3520,7 @@
                     <a:bodyPr/>
                     <a:lstStyle/>
                     <a:p>
+                      <a:pPr algn="r"/>
                       <a:r>
                         <a:rPr lang="de-DE" dirty="0" smtClean="0"/>
                         <a:t>734844</a:t>
@@ -3512,6 +3537,7 @@
                     <a:bodyPr/>
                     <a:lstStyle/>
                     <a:p>
+                      <a:pPr algn="l"/>
                       <a:r>
                         <a:rPr lang="de-DE" dirty="0" smtClean="0"/>
                         <a:t>Benjamin Hildebrandt</a:t>
@@ -3526,6 +3552,7 @@
                     <a:bodyPr/>
                     <a:lstStyle/>
                     <a:p>
+                      <a:pPr algn="r"/>
                       <a:r>
                         <a:rPr lang="de-DE" dirty="0" smtClean="0"/>
                         <a:t>734959</a:t>
@@ -3548,7 +3575,7 @@
         </p:nvSpPr>
         <p:spPr>
           <a:xfrm>
-            <a:off x="2032000" y="5093131"/>
+            <a:off x="5269427" y="4784038"/>
             <a:ext cx="1653145" cy="369332"/>
           </a:xfrm>
           <a:prstGeom prst="rect">
@@ -3580,6 +3607,13 @@
   <p:clrMapOvr>
     <a:masterClrMapping/>
   </p:clrMapOvr>
+  <p:timing>
+    <p:tnLst>
+      <p:par>
+        <p:cTn id="1" dur="indefinite" restart="never" nodeType="tmRoot"/>
+      </p:par>
+    </p:tnLst>
+  </p:timing>
 </p:sld>
 </file>
 
@@ -3726,7 +3760,7 @@
           <a:p>
             <a:fld id="{43EADD17-EDA7-4190-BE0A-00F3AB70E81E}" type="datetime1">
               <a:rPr lang="de-DE" smtClean="0"/>
-              <a:t>28.09.2015</a:t>
+              <a:t>29.09.2015</a:t>
             </a:fld>
             <a:endParaRPr lang="de-DE"/>
           </a:p>
@@ -3784,6 +3818,13 @@
   <p:clrMapOvr>
     <a:masterClrMapping/>
   </p:clrMapOvr>
+  <p:timing>
+    <p:tnLst>
+      <p:par>
+        <p:cTn id="1" dur="indefinite" restart="never" nodeType="tmRoot"/>
+      </p:par>
+    </p:tnLst>
+  </p:timing>
 </p:sld>
 </file>
 
@@ -3877,7 +3918,6 @@
               <a:rPr lang="de-DE" dirty="0" smtClean="0"/>
               <a:t>Spielerobjekte sind verschachtelte Objekte, sie bekommen ein weiteres Objekt, die Spielfigur, hinzugefügt. Das ermöglicht einen einfacheren Zugriff auf die Spielfiguren im Spielbetrieb, z.B. beim Setzvorgang</a:t>
             </a:r>
-            <a:endParaRPr lang="de-DE" dirty="0" smtClean="0"/>
           </a:p>
           <a:p>
             <a:pPr lvl="1"/>
@@ -3920,7 +3960,7 @@
           <a:p>
             <a:fld id="{43EADD17-EDA7-4190-BE0A-00F3AB70E81E}" type="datetime1">
               <a:rPr lang="de-DE" smtClean="0"/>
-              <a:t>28.09.2015</a:t>
+              <a:t>29.09.2015</a:t>
             </a:fld>
             <a:endParaRPr lang="de-DE"/>
           </a:p>
@@ -3978,6 +4018,13 @@
   <p:clrMapOvr>
     <a:masterClrMapping/>
   </p:clrMapOvr>
+  <p:timing>
+    <p:tnLst>
+      <p:par>
+        <p:cTn id="1" dur="indefinite" restart="never" nodeType="tmRoot"/>
+      </p:par>
+    </p:tnLst>
+  </p:timing>
 </p:sld>
 </file>
 
@@ -4146,7 +4193,7 @@
           <a:p>
             <a:fld id="{43EADD17-EDA7-4190-BE0A-00F3AB70E81E}" type="datetime1">
               <a:rPr lang="de-DE" smtClean="0"/>
-              <a:t>28.09.2015</a:t>
+              <a:t>29.09.2015</a:t>
             </a:fld>
             <a:endParaRPr lang="de-DE"/>
           </a:p>
@@ -4204,6 +4251,13 @@
   <p:clrMapOvr>
     <a:masterClrMapping/>
   </p:clrMapOvr>
+  <p:timing>
+    <p:tnLst>
+      <p:par>
+        <p:cTn id="1" dur="indefinite" restart="never" nodeType="tmRoot"/>
+      </p:par>
+    </p:tnLst>
+  </p:timing>
 </p:sld>
 </file>
 
@@ -4299,7 +4353,6 @@
               <a:rPr lang="de-DE" dirty="0" smtClean="0"/>
               <a:t>Die meisten Objekte, wie Spielfelder und Spieler, werden in einem einfachen Array gespeichert, um sie während des Spielbetriebes einfach zu durchlaufen und systematisch abzuarbeiten</a:t>
             </a:r>
-            <a:endParaRPr lang="de-DE" dirty="0" smtClean="0"/>
           </a:p>
           <a:p>
             <a:pPr lvl="1"/>
@@ -4347,7 +4400,7 @@
           <a:p>
             <a:fld id="{43EADD17-EDA7-4190-BE0A-00F3AB70E81E}" type="datetime1">
               <a:rPr lang="de-DE" smtClean="0"/>
-              <a:t>28.09.2015</a:t>
+              <a:t>29.09.2015</a:t>
             </a:fld>
             <a:endParaRPr lang="de-DE"/>
           </a:p>
@@ -4405,6 +4458,1653 @@
   <p:clrMapOvr>
     <a:masterClrMapping/>
   </p:clrMapOvr>
+  <p:timing>
+    <p:tnLst>
+      <p:par>
+        <p:cTn id="1" dur="indefinite" restart="never" nodeType="tmRoot"/>
+      </p:par>
+    </p:tnLst>
+  </p:timing>
+</p:sld>
+</file>
+
+<file path=ppt/slides/slide14.xml><?xml version="1.0" encoding="utf-8"?>
+<p:sld xmlns:a="http://schemas.openxmlformats.org/drawingml/2006/main" xmlns:r="http://schemas.openxmlformats.org/officeDocument/2006/relationships" xmlns:p="http://schemas.openxmlformats.org/presentationml/2006/main">
+  <p:cSld>
+    <p:spTree>
+      <p:nvGrpSpPr>
+        <p:cNvPr id="1" name=""/>
+        <p:cNvGrpSpPr/>
+        <p:nvPr/>
+      </p:nvGrpSpPr>
+      <p:grpSpPr>
+        <a:xfrm>
+          <a:off x="0" y="0"/>
+          <a:ext cx="0" cy="0"/>
+          <a:chOff x="0" y="0"/>
+          <a:chExt cx="0" cy="0"/>
+        </a:xfrm>
+      </p:grpSpPr>
+      <p:sp>
+        <p:nvSpPr>
+          <p:cNvPr id="2" name="Titel 1"/>
+          <p:cNvSpPr>
+            <a:spLocks noGrp="1"/>
+          </p:cNvSpPr>
+          <p:nvPr>
+            <p:ph type="title"/>
+          </p:nvPr>
+        </p:nvSpPr>
+        <p:spPr>
+          <a:xfrm>
+            <a:off x="838200" y="365125"/>
+            <a:ext cx="10515600" cy="1080000"/>
+          </a:xfrm>
+        </p:spPr>
+        <p:txBody>
+          <a:bodyPr/>
+          <a:lstStyle/>
+          <a:p>
+            <a:r>
+              <a:rPr lang="de-DE" dirty="0" smtClean="0"/>
+              <a:t>Vergleich Projektplanung/Realität</a:t>
+            </a:r>
+            <a:endParaRPr lang="de-DE" dirty="0"/>
+          </a:p>
+        </p:txBody>
+      </p:sp>
+      <p:sp>
+        <p:nvSpPr>
+          <p:cNvPr id="3" name="Inhaltsplatzhalter 2"/>
+          <p:cNvSpPr>
+            <a:spLocks noGrp="1"/>
+          </p:cNvSpPr>
+          <p:nvPr>
+            <p:ph idx="1"/>
+          </p:nvPr>
+        </p:nvSpPr>
+        <p:spPr>
+          <a:xfrm>
+            <a:off x="838200" y="1560737"/>
+            <a:ext cx="10515600" cy="4680000"/>
+          </a:xfrm>
+        </p:spPr>
+        <p:txBody>
+          <a:bodyPr/>
+          <a:lstStyle/>
+          <a:p>
+            <a:r>
+              <a:rPr lang="de-DE" dirty="0" smtClean="0"/>
+              <a:t>Den aufgestellten Zeitplan bei unserer Projektplanung konnten wir ohne Probleme einhalten. Einige Aufgaben wurden dabei vorgezogen, während andere später erledigt wurden. Des Weiteren wurden einige wenige Aufgaben unter den Teammitgliedern getauscht, da sie auf bestimmte Teilaufgaben des anderen Teammitgliedes aufgebaut haben.</a:t>
+            </a:r>
+          </a:p>
+          <a:p>
+            <a:r>
+              <a:rPr lang="de-DE" dirty="0" smtClean="0"/>
+              <a:t>Einige nicht bedachte Risiken/Probleme tauchten während des Projektes auf, konnten jedoch gelöst werden. Dazu gehörten z.B. den Schattenwurf der Objekte, Drehung des/der Spielfeldes/Kamera, Klick-Events der Maus und die Logik des Setzverfahrens.</a:t>
+            </a:r>
+            <a:endParaRPr lang="de-DE" dirty="0" smtClean="0"/>
+          </a:p>
+        </p:txBody>
+      </p:sp>
+      <p:sp>
+        <p:nvSpPr>
+          <p:cNvPr id="4" name="Datumsplatzhalter 3"/>
+          <p:cNvSpPr>
+            <a:spLocks noGrp="1"/>
+          </p:cNvSpPr>
+          <p:nvPr>
+            <p:ph type="dt" sz="half" idx="10"/>
+          </p:nvPr>
+        </p:nvSpPr>
+        <p:spPr/>
+        <p:txBody>
+          <a:bodyPr/>
+          <a:lstStyle/>
+          <a:p>
+            <a:fld id="{43EADD17-EDA7-4190-BE0A-00F3AB70E81E}" type="datetime1">
+              <a:rPr lang="de-DE" smtClean="0"/>
+              <a:t>29.09.2015</a:t>
+            </a:fld>
+            <a:endParaRPr lang="de-DE"/>
+          </a:p>
+        </p:txBody>
+      </p:sp>
+      <p:sp>
+        <p:nvSpPr>
+          <p:cNvPr id="5" name="Fußzeilenplatzhalter 4"/>
+          <p:cNvSpPr>
+            <a:spLocks noGrp="1"/>
+          </p:cNvSpPr>
+          <p:nvPr>
+            <p:ph type="ftr" sz="quarter" idx="11"/>
+          </p:nvPr>
+        </p:nvSpPr>
+        <p:spPr/>
+        <p:txBody>
+          <a:bodyPr/>
+          <a:lstStyle/>
+          <a:p>
+            <a:endParaRPr lang="de-DE"/>
+          </a:p>
+        </p:txBody>
+      </p:sp>
+      <p:sp>
+        <p:nvSpPr>
+          <p:cNvPr id="6" name="Foliennummernplatzhalter 5"/>
+          <p:cNvSpPr>
+            <a:spLocks noGrp="1"/>
+          </p:cNvSpPr>
+          <p:nvPr>
+            <p:ph type="sldNum" sz="quarter" idx="12"/>
+          </p:nvPr>
+        </p:nvSpPr>
+        <p:spPr/>
+        <p:txBody>
+          <a:bodyPr/>
+          <a:lstStyle/>
+          <a:p>
+            <a:fld id="{8FB897D6-A655-4A42-8293-768E0BCEFFFB}" type="slidenum">
+              <a:rPr lang="de-DE" smtClean="0"/>
+              <a:t>14</a:t>
+            </a:fld>
+            <a:endParaRPr lang="de-DE"/>
+          </a:p>
+        </p:txBody>
+      </p:sp>
+    </p:spTree>
+    <p:extLst>
+      <p:ext uri="{BB962C8B-B14F-4D97-AF65-F5344CB8AC3E}">
+        <p14:creationId xmlns:p14="http://schemas.microsoft.com/office/powerpoint/2010/main" val="1557210587"/>
+      </p:ext>
+    </p:extLst>
+  </p:cSld>
+  <p:clrMapOvr>
+    <a:masterClrMapping/>
+  </p:clrMapOvr>
+  <p:timing>
+    <p:tnLst>
+      <p:par>
+        <p:cTn id="1" dur="indefinite" restart="never" nodeType="tmRoot"/>
+      </p:par>
+    </p:tnLst>
+  </p:timing>
+</p:sld>
+</file>
+
+<file path=ppt/slides/slide15.xml><?xml version="1.0" encoding="utf-8"?>
+<p:sld xmlns:a="http://schemas.openxmlformats.org/drawingml/2006/main" xmlns:r="http://schemas.openxmlformats.org/officeDocument/2006/relationships" xmlns:p="http://schemas.openxmlformats.org/presentationml/2006/main">
+  <p:cSld>
+    <p:spTree>
+      <p:nvGrpSpPr>
+        <p:cNvPr id="1" name=""/>
+        <p:cNvGrpSpPr/>
+        <p:nvPr/>
+      </p:nvGrpSpPr>
+      <p:grpSpPr>
+        <a:xfrm>
+          <a:off x="0" y="0"/>
+          <a:ext cx="0" cy="0"/>
+          <a:chOff x="0" y="0"/>
+          <a:chExt cx="0" cy="0"/>
+        </a:xfrm>
+      </p:grpSpPr>
+      <p:sp>
+        <p:nvSpPr>
+          <p:cNvPr id="2" name="Titel 1"/>
+          <p:cNvSpPr>
+            <a:spLocks noGrp="1"/>
+          </p:cNvSpPr>
+          <p:nvPr>
+            <p:ph type="title"/>
+          </p:nvPr>
+        </p:nvSpPr>
+        <p:spPr>
+          <a:xfrm>
+            <a:off x="838200" y="365125"/>
+            <a:ext cx="10515600" cy="1080000"/>
+          </a:xfrm>
+        </p:spPr>
+        <p:txBody>
+          <a:bodyPr/>
+          <a:lstStyle/>
+          <a:p>
+            <a:r>
+              <a:rPr lang="de-DE" dirty="0"/>
+              <a:t>Vergleich Projektplanung/Realität</a:t>
+            </a:r>
+            <a:endParaRPr lang="de-DE" dirty="0"/>
+          </a:p>
+        </p:txBody>
+      </p:sp>
+      <p:sp>
+        <p:nvSpPr>
+          <p:cNvPr id="3" name="Inhaltsplatzhalter 2"/>
+          <p:cNvSpPr>
+            <a:spLocks noGrp="1"/>
+          </p:cNvSpPr>
+          <p:nvPr>
+            <p:ph idx="1"/>
+          </p:nvPr>
+        </p:nvSpPr>
+        <p:spPr>
+          <a:xfrm>
+            <a:off x="838200" y="1560737"/>
+            <a:ext cx="10515600" cy="4680000"/>
+          </a:xfrm>
+        </p:spPr>
+        <p:txBody>
+          <a:bodyPr>
+            <a:normAutofit lnSpcReduction="10000"/>
+          </a:bodyPr>
+          <a:lstStyle/>
+          <a:p>
+            <a:r>
+              <a:rPr lang="de-DE" dirty="0" smtClean="0"/>
+              <a:t>Im Vergleich zur Projektplanung haben andere Probleme/Risiken kaum eine Verzögerung hervorgerufen. Das Speichern der Position der Spielfigur konnte dabei ohne Probleme implementiert werden.</a:t>
+            </a:r>
+          </a:p>
+          <a:p>
+            <a:r>
+              <a:rPr lang="de-DE" dirty="0" smtClean="0"/>
+              <a:t>Einige geplante Aufgaben, wie ein Statistikfenster oder ein Pausenmenü für Unterbrechungen, wurden hauptsächlich aus zeitlichen Gründen weggelassen. Ein weiteres Argument war der geringe Mehrwert im Vergleich zu dem Aufwand. Die dadurch entstandene Zeit wurde zum Debuggen verwendet. Das Debuggen stellte sich als sehr zeitaufwändig heraus. Sollte jemand ein solches Projekt durchführen, empfehlen wir von Anfang an einen </a:t>
+            </a:r>
+            <a:r>
+              <a:rPr lang="de-DE" dirty="0" err="1" smtClean="0"/>
+              <a:t>Debuggmodus</a:t>
+            </a:r>
+            <a:r>
+              <a:rPr lang="de-DE" dirty="0" smtClean="0"/>
+              <a:t> schaffen, indem bestimmte Fehlerfälle provoziert werden.</a:t>
+            </a:r>
+          </a:p>
+        </p:txBody>
+      </p:sp>
+      <p:sp>
+        <p:nvSpPr>
+          <p:cNvPr id="4" name="Datumsplatzhalter 3"/>
+          <p:cNvSpPr>
+            <a:spLocks noGrp="1"/>
+          </p:cNvSpPr>
+          <p:nvPr>
+            <p:ph type="dt" sz="half" idx="10"/>
+          </p:nvPr>
+        </p:nvSpPr>
+        <p:spPr/>
+        <p:txBody>
+          <a:bodyPr/>
+          <a:lstStyle/>
+          <a:p>
+            <a:fld id="{43EADD17-EDA7-4190-BE0A-00F3AB70E81E}" type="datetime1">
+              <a:rPr lang="de-DE" smtClean="0"/>
+              <a:t>29.09.2015</a:t>
+            </a:fld>
+            <a:endParaRPr lang="de-DE"/>
+          </a:p>
+        </p:txBody>
+      </p:sp>
+      <p:sp>
+        <p:nvSpPr>
+          <p:cNvPr id="5" name="Fußzeilenplatzhalter 4"/>
+          <p:cNvSpPr>
+            <a:spLocks noGrp="1"/>
+          </p:cNvSpPr>
+          <p:nvPr>
+            <p:ph type="ftr" sz="quarter" idx="11"/>
+          </p:nvPr>
+        </p:nvSpPr>
+        <p:spPr/>
+        <p:txBody>
+          <a:bodyPr/>
+          <a:lstStyle/>
+          <a:p>
+            <a:endParaRPr lang="de-DE"/>
+          </a:p>
+        </p:txBody>
+      </p:sp>
+      <p:sp>
+        <p:nvSpPr>
+          <p:cNvPr id="6" name="Foliennummernplatzhalter 5"/>
+          <p:cNvSpPr>
+            <a:spLocks noGrp="1"/>
+          </p:cNvSpPr>
+          <p:nvPr>
+            <p:ph type="sldNum" sz="quarter" idx="12"/>
+          </p:nvPr>
+        </p:nvSpPr>
+        <p:spPr/>
+        <p:txBody>
+          <a:bodyPr/>
+          <a:lstStyle/>
+          <a:p>
+            <a:fld id="{8FB897D6-A655-4A42-8293-768E0BCEFFFB}" type="slidenum">
+              <a:rPr lang="de-DE" smtClean="0"/>
+              <a:t>15</a:t>
+            </a:fld>
+            <a:endParaRPr lang="de-DE"/>
+          </a:p>
+        </p:txBody>
+      </p:sp>
+    </p:spTree>
+    <p:extLst>
+      <p:ext uri="{BB962C8B-B14F-4D97-AF65-F5344CB8AC3E}">
+        <p14:creationId xmlns:p14="http://schemas.microsoft.com/office/powerpoint/2010/main" val="818475901"/>
+      </p:ext>
+    </p:extLst>
+  </p:cSld>
+  <p:clrMapOvr>
+    <a:masterClrMapping/>
+  </p:clrMapOvr>
+  <p:timing>
+    <p:tnLst>
+      <p:par>
+        <p:cTn id="1" dur="indefinite" restart="never" nodeType="tmRoot"/>
+      </p:par>
+    </p:tnLst>
+  </p:timing>
+</p:sld>
+</file>
+
+<file path=ppt/slides/slide16.xml><?xml version="1.0" encoding="utf-8"?>
+<p:sld xmlns:a="http://schemas.openxmlformats.org/drawingml/2006/main" xmlns:r="http://schemas.openxmlformats.org/officeDocument/2006/relationships" xmlns:p="http://schemas.openxmlformats.org/presentationml/2006/main">
+  <p:cSld>
+    <p:spTree>
+      <p:nvGrpSpPr>
+        <p:cNvPr id="1" name=""/>
+        <p:cNvGrpSpPr/>
+        <p:nvPr/>
+      </p:nvGrpSpPr>
+      <p:grpSpPr>
+        <a:xfrm>
+          <a:off x="0" y="0"/>
+          <a:ext cx="0" cy="0"/>
+          <a:chOff x="0" y="0"/>
+          <a:chExt cx="0" cy="0"/>
+        </a:xfrm>
+      </p:grpSpPr>
+      <p:sp>
+        <p:nvSpPr>
+          <p:cNvPr id="2" name="Titel 1"/>
+          <p:cNvSpPr>
+            <a:spLocks noGrp="1"/>
+          </p:cNvSpPr>
+          <p:nvPr>
+            <p:ph type="title"/>
+          </p:nvPr>
+        </p:nvSpPr>
+        <p:spPr>
+          <a:xfrm>
+            <a:off x="838200" y="365125"/>
+            <a:ext cx="10515600" cy="1080000"/>
+          </a:xfrm>
+        </p:spPr>
+        <p:txBody>
+          <a:bodyPr/>
+          <a:lstStyle/>
+          <a:p>
+            <a:r>
+              <a:rPr lang="de-DE" dirty="0" smtClean="0"/>
+              <a:t>Zeitaufwand der Aufgaben</a:t>
+            </a:r>
+            <a:endParaRPr lang="de-DE" dirty="0"/>
+          </a:p>
+        </p:txBody>
+      </p:sp>
+      <p:graphicFrame>
+        <p:nvGraphicFramePr>
+          <p:cNvPr id="7" name="Inhaltsplatzhalter 6"/>
+          <p:cNvGraphicFramePr>
+            <a:graphicFrameLocks noGrp="1"/>
+          </p:cNvGraphicFramePr>
+          <p:nvPr>
+            <p:ph idx="1"/>
+            <p:extLst>
+              <p:ext uri="{D42A27DB-BD31-4B8C-83A1-F6EECF244321}">
+                <p14:modId xmlns:p14="http://schemas.microsoft.com/office/powerpoint/2010/main" val="1935815294"/>
+              </p:ext>
+            </p:extLst>
+          </p:nvPr>
+        </p:nvGraphicFramePr>
+        <p:xfrm>
+          <a:off x="838200" y="1560513"/>
+          <a:ext cx="10515600" cy="4617720"/>
+        </p:xfrm>
+        <a:graphic>
+          <a:graphicData uri="http://schemas.openxmlformats.org/drawingml/2006/table">
+            <a:tbl>
+              <a:tblPr firstRow="1" bandRow="1">
+                <a:tableStyleId>{C083E6E3-FA7D-4D7B-A595-EF9225AFEA82}</a:tableStyleId>
+              </a:tblPr>
+              <a:tblGrid>
+                <a:gridCol w="8009586"/>
+                <a:gridCol w="1253007"/>
+                <a:gridCol w="1253007"/>
+              </a:tblGrid>
+              <a:tr h="370840">
+                <a:tc>
+                  <a:txBody>
+                    <a:bodyPr/>
+                    <a:lstStyle/>
+                    <a:p>
+                      <a:r>
+                        <a:rPr lang="de-DE" dirty="0" smtClean="0"/>
+                        <a:t>Aufgabe</a:t>
+                      </a:r>
+                      <a:endParaRPr lang="de-DE" dirty="0"/>
+                    </a:p>
+                  </a:txBody>
+                  <a:tcPr/>
+                </a:tc>
+                <a:tc gridSpan="2">
+                  <a:txBody>
+                    <a:bodyPr/>
+                    <a:lstStyle/>
+                    <a:p>
+                      <a:pPr algn="ctr"/>
+                      <a:r>
+                        <a:rPr lang="de-DE" dirty="0" smtClean="0"/>
+                        <a:t>Zeitaufwand in Stunden</a:t>
+                      </a:r>
+                      <a:endParaRPr lang="de-DE" dirty="0"/>
+                    </a:p>
+                  </a:txBody>
+                  <a:tcPr/>
+                </a:tc>
+                <a:tc hMerge="1">
+                  <a:txBody>
+                    <a:bodyPr/>
+                    <a:lstStyle/>
+                    <a:p>
+                      <a:endParaRPr lang="de-DE"/>
+                    </a:p>
+                  </a:txBody>
+                  <a:tcPr/>
+                </a:tc>
+              </a:tr>
+              <a:tr h="370840">
+                <a:tc>
+                  <a:txBody>
+                    <a:bodyPr/>
+                    <a:lstStyle/>
+                    <a:p>
+                      <a:endParaRPr lang="de-DE" dirty="0"/>
+                    </a:p>
+                  </a:txBody>
+                  <a:tcPr/>
+                </a:tc>
+                <a:tc>
+                  <a:txBody>
+                    <a:bodyPr/>
+                    <a:lstStyle/>
+                    <a:p>
+                      <a:pPr algn="ctr"/>
+                      <a:r>
+                        <a:rPr lang="de-DE" dirty="0" smtClean="0"/>
+                        <a:t>Lukas</a:t>
+                      </a:r>
+                      <a:endParaRPr lang="de-DE" b="1" dirty="0"/>
+                    </a:p>
+                  </a:txBody>
+                  <a:tcPr/>
+                </a:tc>
+                <a:tc>
+                  <a:txBody>
+                    <a:bodyPr/>
+                    <a:lstStyle/>
+                    <a:p>
+                      <a:pPr algn="ctr"/>
+                      <a:r>
+                        <a:rPr lang="de-DE" dirty="0" smtClean="0"/>
+                        <a:t>Benjamin</a:t>
+                      </a:r>
+                      <a:endParaRPr lang="de-DE" b="1" dirty="0"/>
+                    </a:p>
+                  </a:txBody>
+                  <a:tcPr/>
+                </a:tc>
+              </a:tr>
+              <a:tr h="370840">
+                <a:tc>
+                  <a:txBody>
+                    <a:bodyPr/>
+                    <a:lstStyle/>
+                    <a:p>
+                      <a:pPr marL="0" marR="0" indent="0" algn="l" defTabSz="914400" rtl="0" eaLnBrk="1" fontAlgn="auto" latinLnBrk="0" hangingPunct="1">
+                        <a:lnSpc>
+                          <a:spcPct val="100000"/>
+                        </a:lnSpc>
+                        <a:spcBef>
+                          <a:spcPts val="0"/>
+                        </a:spcBef>
+                        <a:spcAft>
+                          <a:spcPts val="0"/>
+                        </a:spcAft>
+                        <a:buClrTx/>
+                        <a:buSzTx/>
+                        <a:buFontTx/>
+                        <a:buNone/>
+                        <a:tabLst/>
+                        <a:defRPr/>
+                      </a:pPr>
+                      <a:r>
+                        <a:rPr lang="de-DE" dirty="0" smtClean="0"/>
+                        <a:t>Erstellung und Positionierung des Spielfeldes</a:t>
+                      </a:r>
+                      <a:r>
+                        <a:rPr lang="de-DE" baseline="0" dirty="0" smtClean="0"/>
+                        <a:t> mit allen 3D-Objekten (Licht, Spielfelder, Spielfiguren)</a:t>
+                      </a:r>
+                      <a:endParaRPr lang="de-DE" dirty="0" smtClean="0"/>
+                    </a:p>
+                  </a:txBody>
+                  <a:tcPr/>
+                </a:tc>
+                <a:tc>
+                  <a:txBody>
+                    <a:bodyPr/>
+                    <a:lstStyle/>
+                    <a:p>
+                      <a:pPr algn="r"/>
+                      <a:r>
+                        <a:rPr lang="de-DE" dirty="0" smtClean="0"/>
+                        <a:t>20</a:t>
+                      </a:r>
+                      <a:endParaRPr lang="de-DE" dirty="0"/>
+                    </a:p>
+                  </a:txBody>
+                  <a:tcPr/>
+                </a:tc>
+                <a:tc>
+                  <a:txBody>
+                    <a:bodyPr/>
+                    <a:lstStyle/>
+                    <a:p>
+                      <a:pPr algn="r"/>
+                      <a:r>
+                        <a:rPr lang="de-DE" dirty="0" smtClean="0"/>
+                        <a:t>20</a:t>
+                      </a:r>
+                      <a:endParaRPr lang="de-DE" dirty="0"/>
+                    </a:p>
+                  </a:txBody>
+                  <a:tcPr/>
+                </a:tc>
+              </a:tr>
+              <a:tr h="370840">
+                <a:tc>
+                  <a:txBody>
+                    <a:bodyPr/>
+                    <a:lstStyle/>
+                    <a:p>
+                      <a:r>
+                        <a:rPr lang="de-DE" dirty="0" smtClean="0"/>
+                        <a:t>Implementierung, Debuggen, Testen der Rotation der Kamera</a:t>
+                      </a:r>
+                      <a:endParaRPr lang="de-DE" dirty="0"/>
+                    </a:p>
+                  </a:txBody>
+                  <a:tcPr/>
+                </a:tc>
+                <a:tc>
+                  <a:txBody>
+                    <a:bodyPr/>
+                    <a:lstStyle/>
+                    <a:p>
+                      <a:pPr algn="r"/>
+                      <a:r>
+                        <a:rPr lang="de-DE" dirty="0" smtClean="0"/>
+                        <a:t>15</a:t>
+                      </a:r>
+                      <a:endParaRPr lang="de-DE" dirty="0"/>
+                    </a:p>
+                  </a:txBody>
+                  <a:tcPr/>
+                </a:tc>
+                <a:tc>
+                  <a:txBody>
+                    <a:bodyPr/>
+                    <a:lstStyle/>
+                    <a:p>
+                      <a:pPr algn="r"/>
+                      <a:r>
+                        <a:rPr lang="de-DE" dirty="0" smtClean="0"/>
+                        <a:t>5</a:t>
+                      </a:r>
+                      <a:endParaRPr lang="de-DE" dirty="0"/>
+                    </a:p>
+                  </a:txBody>
+                  <a:tcPr/>
+                </a:tc>
+              </a:tr>
+              <a:tr h="370840">
+                <a:tc>
+                  <a:txBody>
+                    <a:bodyPr/>
+                    <a:lstStyle/>
+                    <a:p>
+                      <a:r>
+                        <a:rPr lang="de-DE" dirty="0" smtClean="0"/>
+                        <a:t>Implementierung, Debuggen,</a:t>
+                      </a:r>
+                      <a:r>
+                        <a:rPr lang="de-DE" baseline="0" dirty="0" smtClean="0"/>
+                        <a:t> Testen des Setzverfahrens</a:t>
+                      </a:r>
+                      <a:endParaRPr lang="de-DE" dirty="0"/>
+                    </a:p>
+                  </a:txBody>
+                  <a:tcPr/>
+                </a:tc>
+                <a:tc>
+                  <a:txBody>
+                    <a:bodyPr/>
+                    <a:lstStyle/>
+                    <a:p>
+                      <a:pPr algn="r"/>
+                      <a:r>
+                        <a:rPr lang="de-DE" dirty="0" smtClean="0"/>
+                        <a:t>5</a:t>
+                      </a:r>
+                      <a:endParaRPr lang="de-DE" dirty="0"/>
+                    </a:p>
+                  </a:txBody>
+                  <a:tcPr/>
+                </a:tc>
+                <a:tc>
+                  <a:txBody>
+                    <a:bodyPr/>
+                    <a:lstStyle/>
+                    <a:p>
+                      <a:pPr algn="r"/>
+                      <a:r>
+                        <a:rPr lang="de-DE" dirty="0" smtClean="0"/>
+                        <a:t>30</a:t>
+                      </a:r>
+                      <a:endParaRPr lang="de-DE" dirty="0"/>
+                    </a:p>
+                  </a:txBody>
+                  <a:tcPr/>
+                </a:tc>
+              </a:tr>
+              <a:tr h="370840">
+                <a:tc>
+                  <a:txBody>
+                    <a:bodyPr/>
+                    <a:lstStyle/>
+                    <a:p>
+                      <a:r>
+                        <a:rPr lang="de-DE" dirty="0" smtClean="0"/>
+                        <a:t>Erstellung</a:t>
+                      </a:r>
+                      <a:r>
+                        <a:rPr lang="de-DE" baseline="0" dirty="0" smtClean="0"/>
+                        <a:t> des texturierten 3D-Würfels mit Animation</a:t>
+                      </a:r>
+                      <a:endParaRPr lang="de-DE" dirty="0"/>
+                    </a:p>
+                  </a:txBody>
+                  <a:tcPr/>
+                </a:tc>
+                <a:tc>
+                  <a:txBody>
+                    <a:bodyPr/>
+                    <a:lstStyle/>
+                    <a:p>
+                      <a:pPr algn="r"/>
+                      <a:r>
+                        <a:rPr lang="de-DE" dirty="0" smtClean="0"/>
+                        <a:t>15</a:t>
+                      </a:r>
+                      <a:endParaRPr lang="de-DE" dirty="0"/>
+                    </a:p>
+                  </a:txBody>
+                  <a:tcPr/>
+                </a:tc>
+                <a:tc>
+                  <a:txBody>
+                    <a:bodyPr/>
+                    <a:lstStyle/>
+                    <a:p>
+                      <a:pPr algn="r"/>
+                      <a:r>
+                        <a:rPr lang="de-DE" dirty="0" smtClean="0"/>
+                        <a:t>0</a:t>
+                      </a:r>
+                      <a:endParaRPr lang="de-DE" dirty="0"/>
+                    </a:p>
+                  </a:txBody>
+                  <a:tcPr/>
+                </a:tc>
+              </a:tr>
+              <a:tr h="370840">
+                <a:tc>
+                  <a:txBody>
+                    <a:bodyPr/>
+                    <a:lstStyle/>
+                    <a:p>
+                      <a:r>
+                        <a:rPr lang="de-DE" dirty="0" smtClean="0"/>
+                        <a:t>Implementierung</a:t>
+                      </a:r>
+                      <a:r>
+                        <a:rPr lang="de-DE" baseline="0" dirty="0" smtClean="0"/>
+                        <a:t> der Animationen des Setzens, Rausschmeißens und Ausweichens</a:t>
+                      </a:r>
+                      <a:endParaRPr lang="de-DE" dirty="0"/>
+                    </a:p>
+                  </a:txBody>
+                  <a:tcPr/>
+                </a:tc>
+                <a:tc>
+                  <a:txBody>
+                    <a:bodyPr/>
+                    <a:lstStyle/>
+                    <a:p>
+                      <a:pPr algn="r"/>
+                      <a:r>
+                        <a:rPr lang="de-DE" dirty="0" smtClean="0"/>
+                        <a:t>0</a:t>
+                      </a:r>
+                      <a:endParaRPr lang="de-DE" dirty="0"/>
+                    </a:p>
+                  </a:txBody>
+                  <a:tcPr/>
+                </a:tc>
+                <a:tc>
+                  <a:txBody>
+                    <a:bodyPr/>
+                    <a:lstStyle/>
+                    <a:p>
+                      <a:pPr algn="r"/>
+                      <a:r>
+                        <a:rPr lang="de-DE" dirty="0" smtClean="0"/>
+                        <a:t>25</a:t>
+                      </a:r>
+                      <a:endParaRPr lang="de-DE" dirty="0"/>
+                    </a:p>
+                  </a:txBody>
+                  <a:tcPr/>
+                </a:tc>
+              </a:tr>
+              <a:tr h="370840">
+                <a:tc>
+                  <a:txBody>
+                    <a:bodyPr/>
+                    <a:lstStyle/>
+                    <a:p>
+                      <a:r>
+                        <a:rPr lang="de-DE" dirty="0" smtClean="0"/>
+                        <a:t>Implementierung, Debuggen,</a:t>
+                      </a:r>
+                      <a:r>
+                        <a:rPr lang="de-DE" baseline="0" dirty="0" smtClean="0"/>
+                        <a:t> Testen der Mausevents (Klickevent und </a:t>
+                      </a:r>
+                      <a:r>
+                        <a:rPr lang="de-DE" baseline="0" dirty="0" err="1" smtClean="0"/>
+                        <a:t>Hovereffekt</a:t>
+                      </a:r>
+                      <a:r>
+                        <a:rPr lang="de-DE" baseline="0" dirty="0" smtClean="0"/>
+                        <a:t>)</a:t>
+                      </a:r>
+                      <a:endParaRPr lang="de-DE" dirty="0"/>
+                    </a:p>
+                  </a:txBody>
+                  <a:tcPr/>
+                </a:tc>
+                <a:tc>
+                  <a:txBody>
+                    <a:bodyPr/>
+                    <a:lstStyle/>
+                    <a:p>
+                      <a:pPr algn="r"/>
+                      <a:r>
+                        <a:rPr lang="de-DE" dirty="0" smtClean="0"/>
+                        <a:t>20</a:t>
+                      </a:r>
+                      <a:endParaRPr lang="de-DE" dirty="0"/>
+                    </a:p>
+                  </a:txBody>
+                  <a:tcPr/>
+                </a:tc>
+                <a:tc>
+                  <a:txBody>
+                    <a:bodyPr/>
+                    <a:lstStyle/>
+                    <a:p>
+                      <a:pPr algn="r"/>
+                      <a:r>
+                        <a:rPr lang="de-DE" dirty="0" smtClean="0"/>
+                        <a:t>10</a:t>
+                      </a:r>
+                      <a:endParaRPr lang="de-DE" dirty="0"/>
+                    </a:p>
+                  </a:txBody>
+                  <a:tcPr/>
+                </a:tc>
+              </a:tr>
+              <a:tr h="370840">
+                <a:tc>
+                  <a:txBody>
+                    <a:bodyPr/>
+                    <a:lstStyle/>
+                    <a:p>
+                      <a:r>
+                        <a:rPr lang="de-DE" dirty="0" smtClean="0"/>
+                        <a:t>Implementierung des Spielmenüs</a:t>
+                      </a:r>
+                      <a:endParaRPr lang="de-DE" dirty="0"/>
+                    </a:p>
+                  </a:txBody>
+                  <a:tcPr/>
+                </a:tc>
+                <a:tc>
+                  <a:txBody>
+                    <a:bodyPr/>
+                    <a:lstStyle/>
+                    <a:p>
+                      <a:pPr algn="r"/>
+                      <a:r>
+                        <a:rPr lang="de-DE" dirty="0" smtClean="0"/>
+                        <a:t>10</a:t>
+                      </a:r>
+                      <a:endParaRPr lang="de-DE" dirty="0"/>
+                    </a:p>
+                  </a:txBody>
+                  <a:tcPr/>
+                </a:tc>
+                <a:tc>
+                  <a:txBody>
+                    <a:bodyPr/>
+                    <a:lstStyle/>
+                    <a:p>
+                      <a:pPr algn="r"/>
+                      <a:r>
+                        <a:rPr lang="de-DE" dirty="0" smtClean="0"/>
+                        <a:t>0</a:t>
+                      </a:r>
+                      <a:endParaRPr lang="de-DE" dirty="0"/>
+                    </a:p>
+                  </a:txBody>
+                  <a:tcPr/>
+                </a:tc>
+              </a:tr>
+              <a:tr h="370840">
+                <a:tc>
+                  <a:txBody>
+                    <a:bodyPr/>
+                    <a:lstStyle/>
+                    <a:p>
+                      <a:r>
+                        <a:rPr lang="de-DE" dirty="0" smtClean="0"/>
+                        <a:t>Debuggen der Spielszene</a:t>
+                      </a:r>
+                      <a:r>
+                        <a:rPr lang="de-DE" baseline="0" dirty="0" smtClean="0"/>
+                        <a:t> (Logik, Verbesserungen der Animationen, Codeoptimierung)</a:t>
+                      </a:r>
+                      <a:endParaRPr lang="de-DE" dirty="0"/>
+                    </a:p>
+                  </a:txBody>
+                  <a:tcPr/>
+                </a:tc>
+                <a:tc>
+                  <a:txBody>
+                    <a:bodyPr/>
+                    <a:lstStyle/>
+                    <a:p>
+                      <a:pPr algn="r"/>
+                      <a:r>
+                        <a:rPr lang="de-DE" dirty="0" smtClean="0"/>
+                        <a:t>20</a:t>
+                      </a:r>
+                      <a:endParaRPr lang="de-DE" dirty="0"/>
+                    </a:p>
+                  </a:txBody>
+                  <a:tcPr/>
+                </a:tc>
+                <a:tc>
+                  <a:txBody>
+                    <a:bodyPr/>
+                    <a:lstStyle/>
+                    <a:p>
+                      <a:pPr algn="r"/>
+                      <a:r>
+                        <a:rPr lang="de-DE" dirty="0" smtClean="0"/>
+                        <a:t>15</a:t>
+                      </a:r>
+                      <a:endParaRPr lang="de-DE" dirty="0"/>
+                    </a:p>
+                  </a:txBody>
+                  <a:tcPr/>
+                </a:tc>
+              </a:tr>
+              <a:tr h="370840">
+                <a:tc>
+                  <a:txBody>
+                    <a:bodyPr/>
+                    <a:lstStyle/>
+                    <a:p>
+                      <a:endParaRPr lang="de-DE" dirty="0"/>
+                    </a:p>
+                  </a:txBody>
+                  <a:tcPr/>
+                </a:tc>
+                <a:tc>
+                  <a:txBody>
+                    <a:bodyPr/>
+                    <a:lstStyle/>
+                    <a:p>
+                      <a:pPr algn="r"/>
+                      <a:r>
+                        <a:rPr lang="de-DE" dirty="0" smtClean="0"/>
+                        <a:t>105</a:t>
+                      </a:r>
+                      <a:endParaRPr lang="de-DE" dirty="0"/>
+                    </a:p>
+                  </a:txBody>
+                  <a:tcPr/>
+                </a:tc>
+                <a:tc>
+                  <a:txBody>
+                    <a:bodyPr/>
+                    <a:lstStyle/>
+                    <a:p>
+                      <a:pPr algn="r"/>
+                      <a:r>
+                        <a:rPr lang="de-DE" dirty="0" smtClean="0"/>
+                        <a:t>105</a:t>
+                      </a:r>
+                      <a:endParaRPr lang="de-DE" dirty="0"/>
+                    </a:p>
+                  </a:txBody>
+                  <a:tcPr/>
+                </a:tc>
+              </a:tr>
+            </a:tbl>
+          </a:graphicData>
+        </a:graphic>
+      </p:graphicFrame>
+      <p:sp>
+        <p:nvSpPr>
+          <p:cNvPr id="4" name="Datumsplatzhalter 3"/>
+          <p:cNvSpPr>
+            <a:spLocks noGrp="1"/>
+          </p:cNvSpPr>
+          <p:nvPr>
+            <p:ph type="dt" sz="half" idx="10"/>
+          </p:nvPr>
+        </p:nvSpPr>
+        <p:spPr/>
+        <p:txBody>
+          <a:bodyPr/>
+          <a:lstStyle/>
+          <a:p>
+            <a:fld id="{43EADD17-EDA7-4190-BE0A-00F3AB70E81E}" type="datetime1">
+              <a:rPr lang="de-DE" smtClean="0"/>
+              <a:t>29.09.2015</a:t>
+            </a:fld>
+            <a:endParaRPr lang="de-DE"/>
+          </a:p>
+        </p:txBody>
+      </p:sp>
+      <p:sp>
+        <p:nvSpPr>
+          <p:cNvPr id="5" name="Fußzeilenplatzhalter 4"/>
+          <p:cNvSpPr>
+            <a:spLocks noGrp="1"/>
+          </p:cNvSpPr>
+          <p:nvPr>
+            <p:ph type="ftr" sz="quarter" idx="11"/>
+          </p:nvPr>
+        </p:nvSpPr>
+        <p:spPr/>
+        <p:txBody>
+          <a:bodyPr/>
+          <a:lstStyle/>
+          <a:p>
+            <a:endParaRPr lang="de-DE"/>
+          </a:p>
+        </p:txBody>
+      </p:sp>
+      <p:sp>
+        <p:nvSpPr>
+          <p:cNvPr id="6" name="Foliennummernplatzhalter 5"/>
+          <p:cNvSpPr>
+            <a:spLocks noGrp="1"/>
+          </p:cNvSpPr>
+          <p:nvPr>
+            <p:ph type="sldNum" sz="quarter" idx="12"/>
+          </p:nvPr>
+        </p:nvSpPr>
+        <p:spPr/>
+        <p:txBody>
+          <a:bodyPr/>
+          <a:lstStyle/>
+          <a:p>
+            <a:fld id="{8FB897D6-A655-4A42-8293-768E0BCEFFFB}" type="slidenum">
+              <a:rPr lang="de-DE" smtClean="0"/>
+              <a:t>16</a:t>
+            </a:fld>
+            <a:endParaRPr lang="de-DE"/>
+          </a:p>
+        </p:txBody>
+      </p:sp>
+    </p:spTree>
+    <p:extLst>
+      <p:ext uri="{BB962C8B-B14F-4D97-AF65-F5344CB8AC3E}">
+        <p14:creationId xmlns:p14="http://schemas.microsoft.com/office/powerpoint/2010/main" val="204224962"/>
+      </p:ext>
+    </p:extLst>
+  </p:cSld>
+  <p:clrMapOvr>
+    <a:masterClrMapping/>
+  </p:clrMapOvr>
+  <p:timing>
+    <p:tnLst>
+      <p:par>
+        <p:cTn id="1" dur="indefinite" restart="never" nodeType="tmRoot"/>
+      </p:par>
+    </p:tnLst>
+  </p:timing>
+</p:sld>
+</file>
+
+<file path=ppt/slides/slide17.xml><?xml version="1.0" encoding="utf-8"?>
+<p:sld xmlns:a="http://schemas.openxmlformats.org/drawingml/2006/main" xmlns:r="http://schemas.openxmlformats.org/officeDocument/2006/relationships" xmlns:p="http://schemas.openxmlformats.org/presentationml/2006/main">
+  <p:cSld>
+    <p:spTree>
+      <p:nvGrpSpPr>
+        <p:cNvPr id="1" name=""/>
+        <p:cNvGrpSpPr/>
+        <p:nvPr/>
+      </p:nvGrpSpPr>
+      <p:grpSpPr>
+        <a:xfrm>
+          <a:off x="0" y="0"/>
+          <a:ext cx="0" cy="0"/>
+          <a:chOff x="0" y="0"/>
+          <a:chExt cx="0" cy="0"/>
+        </a:xfrm>
+      </p:grpSpPr>
+      <p:pic>
+        <p:nvPicPr>
+          <p:cNvPr id="11" name="Inhaltsplatzhalter 10"/>
+          <p:cNvPicPr>
+            <a:picLocks noGrp="1" noChangeAspect="1"/>
+          </p:cNvPicPr>
+          <p:nvPr>
+            <p:ph idx="1"/>
+          </p:nvPr>
+        </p:nvPicPr>
+        <p:blipFill>
+          <a:blip r:embed="rId2">
+            <a:extLst>
+              <a:ext uri="{28A0092B-C50C-407E-A947-70E740481C1C}">
+                <a14:useLocalDpi xmlns:a14="http://schemas.microsoft.com/office/drawing/2010/main" val="0"/>
+              </a:ext>
+            </a:extLst>
+          </a:blip>
+          <a:stretch>
+            <a:fillRect/>
+          </a:stretch>
+        </p:blipFill>
+        <p:spPr>
+          <a:xfrm>
+            <a:off x="1763630" y="250496"/>
+            <a:ext cx="8290477" cy="5486026"/>
+          </a:xfrm>
+        </p:spPr>
+      </p:pic>
+      <p:sp>
+        <p:nvSpPr>
+          <p:cNvPr id="2" name="Titel 1"/>
+          <p:cNvSpPr>
+            <a:spLocks noGrp="1"/>
+          </p:cNvSpPr>
+          <p:nvPr>
+            <p:ph type="title"/>
+          </p:nvPr>
+        </p:nvSpPr>
+        <p:spPr>
+          <a:xfrm>
+            <a:off x="838200" y="365125"/>
+            <a:ext cx="10515600" cy="1080000"/>
+          </a:xfrm>
+        </p:spPr>
+        <p:txBody>
+          <a:bodyPr/>
+          <a:lstStyle/>
+          <a:p>
+            <a:r>
+              <a:rPr lang="de-DE" dirty="0" smtClean="0"/>
+              <a:t>Spielfeld</a:t>
+            </a:r>
+            <a:endParaRPr lang="de-DE" dirty="0"/>
+          </a:p>
+        </p:txBody>
+      </p:sp>
+      <p:sp>
+        <p:nvSpPr>
+          <p:cNvPr id="4" name="Datumsplatzhalter 3"/>
+          <p:cNvSpPr>
+            <a:spLocks noGrp="1"/>
+          </p:cNvSpPr>
+          <p:nvPr>
+            <p:ph type="dt" sz="half" idx="10"/>
+          </p:nvPr>
+        </p:nvSpPr>
+        <p:spPr/>
+        <p:txBody>
+          <a:bodyPr/>
+          <a:lstStyle/>
+          <a:p>
+            <a:fld id="{43EADD17-EDA7-4190-BE0A-00F3AB70E81E}" type="datetime1">
+              <a:rPr lang="de-DE" smtClean="0"/>
+              <a:t>29.09.2015</a:t>
+            </a:fld>
+            <a:endParaRPr lang="de-DE"/>
+          </a:p>
+        </p:txBody>
+      </p:sp>
+      <p:sp>
+        <p:nvSpPr>
+          <p:cNvPr id="5" name="Fußzeilenplatzhalter 4"/>
+          <p:cNvSpPr>
+            <a:spLocks noGrp="1"/>
+          </p:cNvSpPr>
+          <p:nvPr>
+            <p:ph type="ftr" sz="quarter" idx="11"/>
+          </p:nvPr>
+        </p:nvSpPr>
+        <p:spPr/>
+        <p:txBody>
+          <a:bodyPr/>
+          <a:lstStyle/>
+          <a:p>
+            <a:endParaRPr lang="de-DE"/>
+          </a:p>
+        </p:txBody>
+      </p:sp>
+      <p:sp>
+        <p:nvSpPr>
+          <p:cNvPr id="6" name="Foliennummernplatzhalter 5"/>
+          <p:cNvSpPr>
+            <a:spLocks noGrp="1"/>
+          </p:cNvSpPr>
+          <p:nvPr>
+            <p:ph type="sldNum" sz="quarter" idx="12"/>
+          </p:nvPr>
+        </p:nvSpPr>
+        <p:spPr/>
+        <p:txBody>
+          <a:bodyPr/>
+          <a:lstStyle/>
+          <a:p>
+            <a:fld id="{8FB897D6-A655-4A42-8293-768E0BCEFFFB}" type="slidenum">
+              <a:rPr lang="de-DE" smtClean="0"/>
+              <a:t>17</a:t>
+            </a:fld>
+            <a:endParaRPr lang="de-DE"/>
+          </a:p>
+        </p:txBody>
+      </p:sp>
+      <p:sp>
+        <p:nvSpPr>
+          <p:cNvPr id="9" name="Textfeld 8"/>
+          <p:cNvSpPr txBox="1"/>
+          <p:nvPr/>
+        </p:nvSpPr>
+        <p:spPr>
+          <a:xfrm>
+            <a:off x="2705876" y="5551856"/>
+            <a:ext cx="6405984" cy="369332"/>
+          </a:xfrm>
+          <a:prstGeom prst="rect">
+            <a:avLst/>
+          </a:prstGeom>
+          <a:noFill/>
+        </p:spPr>
+        <p:txBody>
+          <a:bodyPr wrap="none" rtlCol="0">
+            <a:spAutoFit/>
+          </a:bodyPr>
+          <a:lstStyle/>
+          <a:p>
+            <a:r>
+              <a:rPr lang="de-DE" dirty="0" smtClean="0"/>
+              <a:t>Spielfeld ohne Beleuchtung, Buttons und Würfel aber mit Testfigur </a:t>
+            </a:r>
+            <a:endParaRPr lang="de-DE" dirty="0"/>
+          </a:p>
+        </p:txBody>
+      </p:sp>
+    </p:spTree>
+    <p:extLst>
+      <p:ext uri="{BB962C8B-B14F-4D97-AF65-F5344CB8AC3E}">
+        <p14:creationId xmlns:p14="http://schemas.microsoft.com/office/powerpoint/2010/main" val="1860751603"/>
+      </p:ext>
+    </p:extLst>
+  </p:cSld>
+  <p:clrMapOvr>
+    <a:masterClrMapping/>
+  </p:clrMapOvr>
+  <p:timing>
+    <p:tnLst>
+      <p:par>
+        <p:cTn id="1" dur="indefinite" restart="never" nodeType="tmRoot"/>
+      </p:par>
+    </p:tnLst>
+  </p:timing>
+</p:sld>
+</file>
+
+<file path=ppt/slides/slide18.xml><?xml version="1.0" encoding="utf-8"?>
+<p:sld xmlns:a="http://schemas.openxmlformats.org/drawingml/2006/main" xmlns:r="http://schemas.openxmlformats.org/officeDocument/2006/relationships" xmlns:p="http://schemas.openxmlformats.org/presentationml/2006/main">
+  <p:cSld>
+    <p:spTree>
+      <p:nvGrpSpPr>
+        <p:cNvPr id="1" name=""/>
+        <p:cNvGrpSpPr/>
+        <p:nvPr/>
+      </p:nvGrpSpPr>
+      <p:grpSpPr>
+        <a:xfrm>
+          <a:off x="0" y="0"/>
+          <a:ext cx="0" cy="0"/>
+          <a:chOff x="0" y="0"/>
+          <a:chExt cx="0" cy="0"/>
+        </a:xfrm>
+      </p:grpSpPr>
+      <p:pic>
+        <p:nvPicPr>
+          <p:cNvPr id="8" name="Inhaltsplatzhalter 7"/>
+          <p:cNvPicPr>
+            <a:picLocks noGrp="1" noChangeAspect="1"/>
+          </p:cNvPicPr>
+          <p:nvPr>
+            <p:ph idx="1"/>
+          </p:nvPr>
+        </p:nvPicPr>
+        <p:blipFill>
+          <a:blip r:embed="rId2">
+            <a:extLst>
+              <a:ext uri="{28A0092B-C50C-407E-A947-70E740481C1C}">
+                <a14:useLocalDpi xmlns:a14="http://schemas.microsoft.com/office/drawing/2010/main" val="0"/>
+              </a:ext>
+            </a:extLst>
+          </a:blip>
+          <a:stretch>
+            <a:fillRect/>
+          </a:stretch>
+        </p:blipFill>
+        <p:spPr>
+          <a:xfrm>
+            <a:off x="357305" y="-1544516"/>
+            <a:ext cx="11477390" cy="7243656"/>
+          </a:xfrm>
+        </p:spPr>
+      </p:pic>
+      <p:sp>
+        <p:nvSpPr>
+          <p:cNvPr id="2" name="Titel 1"/>
+          <p:cNvSpPr>
+            <a:spLocks noGrp="1"/>
+          </p:cNvSpPr>
+          <p:nvPr>
+            <p:ph type="title"/>
+          </p:nvPr>
+        </p:nvSpPr>
+        <p:spPr>
+          <a:xfrm>
+            <a:off x="838200" y="365125"/>
+            <a:ext cx="10515600" cy="1080000"/>
+          </a:xfrm>
+        </p:spPr>
+        <p:txBody>
+          <a:bodyPr/>
+          <a:lstStyle/>
+          <a:p>
+            <a:r>
+              <a:rPr lang="de-DE" dirty="0" smtClean="0"/>
+              <a:t>Spielfeld</a:t>
+            </a:r>
+            <a:endParaRPr lang="de-DE" dirty="0"/>
+          </a:p>
+        </p:txBody>
+      </p:sp>
+      <p:sp>
+        <p:nvSpPr>
+          <p:cNvPr id="4" name="Datumsplatzhalter 3"/>
+          <p:cNvSpPr>
+            <a:spLocks noGrp="1"/>
+          </p:cNvSpPr>
+          <p:nvPr>
+            <p:ph type="dt" sz="half" idx="10"/>
+          </p:nvPr>
+        </p:nvSpPr>
+        <p:spPr/>
+        <p:txBody>
+          <a:bodyPr/>
+          <a:lstStyle/>
+          <a:p>
+            <a:fld id="{43EADD17-EDA7-4190-BE0A-00F3AB70E81E}" type="datetime1">
+              <a:rPr lang="de-DE" smtClean="0"/>
+              <a:t>29.09.2015</a:t>
+            </a:fld>
+            <a:endParaRPr lang="de-DE"/>
+          </a:p>
+        </p:txBody>
+      </p:sp>
+      <p:sp>
+        <p:nvSpPr>
+          <p:cNvPr id="5" name="Fußzeilenplatzhalter 4"/>
+          <p:cNvSpPr>
+            <a:spLocks noGrp="1"/>
+          </p:cNvSpPr>
+          <p:nvPr>
+            <p:ph type="ftr" sz="quarter" idx="11"/>
+          </p:nvPr>
+        </p:nvSpPr>
+        <p:spPr/>
+        <p:txBody>
+          <a:bodyPr/>
+          <a:lstStyle/>
+          <a:p>
+            <a:endParaRPr lang="de-DE"/>
+          </a:p>
+        </p:txBody>
+      </p:sp>
+      <p:sp>
+        <p:nvSpPr>
+          <p:cNvPr id="6" name="Foliennummernplatzhalter 5"/>
+          <p:cNvSpPr>
+            <a:spLocks noGrp="1"/>
+          </p:cNvSpPr>
+          <p:nvPr>
+            <p:ph type="sldNum" sz="quarter" idx="12"/>
+          </p:nvPr>
+        </p:nvSpPr>
+        <p:spPr/>
+        <p:txBody>
+          <a:bodyPr/>
+          <a:lstStyle/>
+          <a:p>
+            <a:fld id="{8FB897D6-A655-4A42-8293-768E0BCEFFFB}" type="slidenum">
+              <a:rPr lang="de-DE" smtClean="0"/>
+              <a:t>18</a:t>
+            </a:fld>
+            <a:endParaRPr lang="de-DE"/>
+          </a:p>
+        </p:txBody>
+      </p:sp>
+      <p:sp>
+        <p:nvSpPr>
+          <p:cNvPr id="9" name="Textfeld 8"/>
+          <p:cNvSpPr txBox="1"/>
+          <p:nvPr/>
+        </p:nvSpPr>
+        <p:spPr>
+          <a:xfrm>
+            <a:off x="2471867" y="5658413"/>
+            <a:ext cx="7248266" cy="369332"/>
+          </a:xfrm>
+          <a:prstGeom prst="rect">
+            <a:avLst/>
+          </a:prstGeom>
+          <a:noFill/>
+        </p:spPr>
+        <p:txBody>
+          <a:bodyPr wrap="none" rtlCol="0">
+            <a:spAutoFit/>
+          </a:bodyPr>
+          <a:lstStyle/>
+          <a:p>
+            <a:r>
+              <a:rPr lang="de-DE" dirty="0" smtClean="0"/>
+              <a:t>Spielfeld mit erster Beleuchtung und Buttons zum Würfeln und Menüaufruf</a:t>
+            </a:r>
+            <a:endParaRPr lang="de-DE" dirty="0"/>
+          </a:p>
+        </p:txBody>
+      </p:sp>
+    </p:spTree>
+    <p:extLst>
+      <p:ext uri="{BB962C8B-B14F-4D97-AF65-F5344CB8AC3E}">
+        <p14:creationId xmlns:p14="http://schemas.microsoft.com/office/powerpoint/2010/main" val="68242453"/>
+      </p:ext>
+    </p:extLst>
+  </p:cSld>
+  <p:clrMapOvr>
+    <a:masterClrMapping/>
+  </p:clrMapOvr>
+  <p:timing>
+    <p:tnLst>
+      <p:par>
+        <p:cTn id="1" dur="indefinite" restart="never" nodeType="tmRoot"/>
+      </p:par>
+    </p:tnLst>
+  </p:timing>
+</p:sld>
+</file>
+
+<file path=ppt/slides/slide19.xml><?xml version="1.0" encoding="utf-8"?>
+<p:sld xmlns:a="http://schemas.openxmlformats.org/drawingml/2006/main" xmlns:r="http://schemas.openxmlformats.org/officeDocument/2006/relationships" xmlns:p="http://schemas.openxmlformats.org/presentationml/2006/main">
+  <p:cSld>
+    <p:spTree>
+      <p:nvGrpSpPr>
+        <p:cNvPr id="1" name=""/>
+        <p:cNvGrpSpPr/>
+        <p:nvPr/>
+      </p:nvGrpSpPr>
+      <p:grpSpPr>
+        <a:xfrm>
+          <a:off x="0" y="0"/>
+          <a:ext cx="0" cy="0"/>
+          <a:chOff x="0" y="0"/>
+          <a:chExt cx="0" cy="0"/>
+        </a:xfrm>
+      </p:grpSpPr>
+      <p:pic>
+        <p:nvPicPr>
+          <p:cNvPr id="7" name="Inhaltsplatzhalter 6"/>
+          <p:cNvPicPr>
+            <a:picLocks noGrp="1" noChangeAspect="1"/>
+          </p:cNvPicPr>
+          <p:nvPr>
+            <p:ph idx="1"/>
+          </p:nvPr>
+        </p:nvPicPr>
+        <p:blipFill>
+          <a:blip r:embed="rId2" cstate="print">
+            <a:extLst>
+              <a:ext uri="{28A0092B-C50C-407E-A947-70E740481C1C}">
+                <a14:useLocalDpi xmlns:a14="http://schemas.microsoft.com/office/drawing/2010/main" val="0"/>
+              </a:ext>
+            </a:extLst>
+          </a:blip>
+          <a:stretch>
+            <a:fillRect/>
+          </a:stretch>
+        </p:blipFill>
+        <p:spPr>
+          <a:xfrm>
+            <a:off x="5728026" y="2112135"/>
+            <a:ext cx="5625774" cy="3516109"/>
+          </a:xfrm>
+        </p:spPr>
+      </p:pic>
+      <p:sp>
+        <p:nvSpPr>
+          <p:cNvPr id="2" name="Titel 1"/>
+          <p:cNvSpPr>
+            <a:spLocks noGrp="1"/>
+          </p:cNvSpPr>
+          <p:nvPr>
+            <p:ph type="title"/>
+          </p:nvPr>
+        </p:nvSpPr>
+        <p:spPr>
+          <a:xfrm>
+            <a:off x="838200" y="365125"/>
+            <a:ext cx="10515600" cy="1080000"/>
+          </a:xfrm>
+        </p:spPr>
+        <p:txBody>
+          <a:bodyPr/>
+          <a:lstStyle/>
+          <a:p>
+            <a:r>
+              <a:rPr lang="de-DE" dirty="0" smtClean="0"/>
+              <a:t>Spielfeld</a:t>
+            </a:r>
+            <a:endParaRPr lang="de-DE" dirty="0"/>
+          </a:p>
+        </p:txBody>
+      </p:sp>
+      <p:sp>
+        <p:nvSpPr>
+          <p:cNvPr id="4" name="Datumsplatzhalter 3"/>
+          <p:cNvSpPr>
+            <a:spLocks noGrp="1"/>
+          </p:cNvSpPr>
+          <p:nvPr>
+            <p:ph type="dt" sz="half" idx="10"/>
+          </p:nvPr>
+        </p:nvSpPr>
+        <p:spPr/>
+        <p:txBody>
+          <a:bodyPr/>
+          <a:lstStyle/>
+          <a:p>
+            <a:fld id="{43EADD17-EDA7-4190-BE0A-00F3AB70E81E}" type="datetime1">
+              <a:rPr lang="de-DE" smtClean="0"/>
+              <a:t>29.09.2015</a:t>
+            </a:fld>
+            <a:endParaRPr lang="de-DE"/>
+          </a:p>
+        </p:txBody>
+      </p:sp>
+      <p:sp>
+        <p:nvSpPr>
+          <p:cNvPr id="5" name="Fußzeilenplatzhalter 4"/>
+          <p:cNvSpPr>
+            <a:spLocks noGrp="1"/>
+          </p:cNvSpPr>
+          <p:nvPr>
+            <p:ph type="ftr" sz="quarter" idx="11"/>
+          </p:nvPr>
+        </p:nvSpPr>
+        <p:spPr/>
+        <p:txBody>
+          <a:bodyPr/>
+          <a:lstStyle/>
+          <a:p>
+            <a:endParaRPr lang="de-DE"/>
+          </a:p>
+        </p:txBody>
+      </p:sp>
+      <p:sp>
+        <p:nvSpPr>
+          <p:cNvPr id="6" name="Foliennummernplatzhalter 5"/>
+          <p:cNvSpPr>
+            <a:spLocks noGrp="1"/>
+          </p:cNvSpPr>
+          <p:nvPr>
+            <p:ph type="sldNum" sz="quarter" idx="12"/>
+          </p:nvPr>
+        </p:nvSpPr>
+        <p:spPr/>
+        <p:txBody>
+          <a:bodyPr/>
+          <a:lstStyle/>
+          <a:p>
+            <a:fld id="{8FB897D6-A655-4A42-8293-768E0BCEFFFB}" type="slidenum">
+              <a:rPr lang="de-DE" smtClean="0"/>
+              <a:t>19</a:t>
+            </a:fld>
+            <a:endParaRPr lang="de-DE"/>
+          </a:p>
+        </p:txBody>
+      </p:sp>
+      <p:sp>
+        <p:nvSpPr>
+          <p:cNvPr id="9" name="Textfeld 8"/>
+          <p:cNvSpPr txBox="1"/>
+          <p:nvPr/>
+        </p:nvSpPr>
+        <p:spPr>
+          <a:xfrm>
+            <a:off x="3820088" y="5628243"/>
+            <a:ext cx="4551824" cy="369332"/>
+          </a:xfrm>
+          <a:prstGeom prst="rect">
+            <a:avLst/>
+          </a:prstGeom>
+          <a:noFill/>
+        </p:spPr>
+        <p:txBody>
+          <a:bodyPr wrap="none" rtlCol="0">
+            <a:spAutoFit/>
+          </a:bodyPr>
+          <a:lstStyle/>
+          <a:p>
+            <a:r>
+              <a:rPr lang="de-DE" dirty="0" smtClean="0"/>
+              <a:t>Animation des Spielfeldaufbaus zu Spielbeginn</a:t>
+            </a:r>
+            <a:endParaRPr lang="de-DE" dirty="0"/>
+          </a:p>
+        </p:txBody>
+      </p:sp>
+      <p:pic>
+        <p:nvPicPr>
+          <p:cNvPr id="10" name="Grafik 9"/>
+          <p:cNvPicPr>
+            <a:picLocks noChangeAspect="1"/>
+          </p:cNvPicPr>
+          <p:nvPr/>
+        </p:nvPicPr>
+        <p:blipFill>
+          <a:blip r:embed="rId3" cstate="print">
+            <a:extLst>
+              <a:ext uri="{28A0092B-C50C-407E-A947-70E740481C1C}">
+                <a14:useLocalDpi xmlns:a14="http://schemas.microsoft.com/office/drawing/2010/main" val="0"/>
+              </a:ext>
+            </a:extLst>
+          </a:blip>
+          <a:stretch>
+            <a:fillRect/>
+          </a:stretch>
+        </p:blipFill>
+        <p:spPr>
+          <a:xfrm>
+            <a:off x="171718" y="2112134"/>
+            <a:ext cx="5625774" cy="3516109"/>
+          </a:xfrm>
+          <a:prstGeom prst="rect">
+            <a:avLst/>
+          </a:prstGeom>
+        </p:spPr>
+      </p:pic>
+    </p:spTree>
+    <p:extLst>
+      <p:ext uri="{BB962C8B-B14F-4D97-AF65-F5344CB8AC3E}">
+        <p14:creationId xmlns:p14="http://schemas.microsoft.com/office/powerpoint/2010/main" val="2429251751"/>
+      </p:ext>
+    </p:extLst>
+  </p:cSld>
+  <p:clrMapOvr>
+    <a:masterClrMapping/>
+  </p:clrMapOvr>
+  <p:timing>
+    <p:tnLst>
+      <p:par>
+        <p:cTn id="1" dur="indefinite" restart="never" nodeType="tmRoot"/>
+      </p:par>
+    </p:tnLst>
+  </p:timing>
 </p:sld>
 </file>
 
@@ -4471,7 +6171,7 @@
         </p:spPr>
         <p:txBody>
           <a:bodyPr>
-            <a:normAutofit lnSpcReduction="10000"/>
+            <a:normAutofit fontScale="92500" lnSpcReduction="10000"/>
           </a:bodyPr>
           <a:lstStyle/>
           <a:p>
@@ -4526,27 +6226,38 @@
               <a:rPr lang="de-DE" dirty="0" smtClean="0"/>
               <a:t>Verwendete Datenstrukturen</a:t>
             </a:r>
+          </a:p>
+          <a:p>
+            <a:r>
+              <a:rPr lang="de-DE" dirty="0" smtClean="0"/>
+              <a:t>Zeitmanagement</a:t>
+            </a:r>
+          </a:p>
+          <a:p>
+            <a:pPr lvl="1"/>
+            <a:r>
+              <a:rPr lang="de-DE" dirty="0"/>
+              <a:t>Vergleich der Projektplanung mit der Realität</a:t>
+            </a:r>
+          </a:p>
+          <a:p>
+            <a:pPr lvl="1"/>
+            <a:r>
+              <a:rPr lang="de-DE" dirty="0"/>
+              <a:t>Zeitaufwand der </a:t>
+            </a:r>
+            <a:r>
+              <a:rPr lang="de-DE" dirty="0" smtClean="0"/>
+              <a:t>Aufgaben</a:t>
+            </a:r>
             <a:endParaRPr lang="de-DE" dirty="0" smtClean="0"/>
           </a:p>
           <a:p>
             <a:r>
               <a:rPr lang="de-DE" dirty="0" smtClean="0"/>
-              <a:t>Zeitmanagement</a:t>
-            </a:r>
-          </a:p>
-          <a:p>
-            <a:pPr lvl="1"/>
-            <a:r>
-              <a:rPr lang="de-DE" dirty="0" smtClean="0"/>
-              <a:t>Vergleich der Projektplanung mit der Realität</a:t>
-            </a:r>
-          </a:p>
-          <a:p>
-            <a:pPr lvl="1"/>
-            <a:r>
-              <a:rPr lang="de-DE" dirty="0" smtClean="0"/>
-              <a:t>Zeitaufwand der Aufgaben</a:t>
-            </a:r>
+              <a:t>Entwicklungsstadien der Anwendung</a:t>
+            </a:r>
+            <a:endParaRPr lang="de-DE" dirty="0" smtClean="0"/>
           </a:p>
         </p:txBody>
       </p:sp>
@@ -4567,7 +6278,7 @@
           <a:p>
             <a:fld id="{43EADD17-EDA7-4190-BE0A-00F3AB70E81E}" type="datetime1">
               <a:rPr lang="de-DE" smtClean="0"/>
-              <a:t>28.09.2015</a:t>
+              <a:t>29.09.2015</a:t>
             </a:fld>
             <a:endParaRPr lang="de-DE"/>
           </a:p>
@@ -4625,6 +6336,800 @@
   <p:clrMapOvr>
     <a:masterClrMapping/>
   </p:clrMapOvr>
+  <p:timing>
+    <p:tnLst>
+      <p:par>
+        <p:cTn id="1" dur="indefinite" restart="never" nodeType="tmRoot"/>
+      </p:par>
+    </p:tnLst>
+  </p:timing>
+</p:sld>
+</file>
+
+<file path=ppt/slides/slide20.xml><?xml version="1.0" encoding="utf-8"?>
+<p:sld xmlns:a="http://schemas.openxmlformats.org/drawingml/2006/main" xmlns:r="http://schemas.openxmlformats.org/officeDocument/2006/relationships" xmlns:p="http://schemas.openxmlformats.org/presentationml/2006/main">
+  <p:cSld>
+    <p:spTree>
+      <p:nvGrpSpPr>
+        <p:cNvPr id="1" name=""/>
+        <p:cNvGrpSpPr/>
+        <p:nvPr/>
+      </p:nvGrpSpPr>
+      <p:grpSpPr>
+        <a:xfrm>
+          <a:off x="0" y="0"/>
+          <a:ext cx="0" cy="0"/>
+          <a:chOff x="0" y="0"/>
+          <a:chExt cx="0" cy="0"/>
+        </a:xfrm>
+      </p:grpSpPr>
+      <p:pic>
+        <p:nvPicPr>
+          <p:cNvPr id="8" name="Inhaltsplatzhalter 7"/>
+          <p:cNvPicPr>
+            <a:picLocks noGrp="1" noChangeAspect="1"/>
+          </p:cNvPicPr>
+          <p:nvPr>
+            <p:ph idx="1"/>
+          </p:nvPr>
+        </p:nvPicPr>
+        <p:blipFill>
+          <a:blip r:embed="rId2">
+            <a:extLst>
+              <a:ext uri="{28A0092B-C50C-407E-A947-70E740481C1C}">
+                <a14:useLocalDpi xmlns:a14="http://schemas.microsoft.com/office/drawing/2010/main" val="0"/>
+              </a:ext>
+            </a:extLst>
+          </a:blip>
+          <a:stretch>
+            <a:fillRect/>
+          </a:stretch>
+        </p:blipFill>
+        <p:spPr>
+          <a:xfrm>
+            <a:off x="2209800" y="1094704"/>
+            <a:ext cx="7689412" cy="4790201"/>
+          </a:xfrm>
+        </p:spPr>
+      </p:pic>
+      <p:sp>
+        <p:nvSpPr>
+          <p:cNvPr id="2" name="Titel 1"/>
+          <p:cNvSpPr>
+            <a:spLocks noGrp="1"/>
+          </p:cNvSpPr>
+          <p:nvPr>
+            <p:ph type="title"/>
+          </p:nvPr>
+        </p:nvSpPr>
+        <p:spPr>
+          <a:xfrm>
+            <a:off x="838200" y="365125"/>
+            <a:ext cx="10515600" cy="1080000"/>
+          </a:xfrm>
+        </p:spPr>
+        <p:txBody>
+          <a:bodyPr/>
+          <a:lstStyle/>
+          <a:p>
+            <a:r>
+              <a:rPr lang="de-DE" dirty="0" smtClean="0"/>
+              <a:t>Würfel</a:t>
+            </a:r>
+            <a:endParaRPr lang="de-DE" dirty="0"/>
+          </a:p>
+        </p:txBody>
+      </p:sp>
+      <p:sp>
+        <p:nvSpPr>
+          <p:cNvPr id="4" name="Datumsplatzhalter 3"/>
+          <p:cNvSpPr>
+            <a:spLocks noGrp="1"/>
+          </p:cNvSpPr>
+          <p:nvPr>
+            <p:ph type="dt" sz="half" idx="10"/>
+          </p:nvPr>
+        </p:nvSpPr>
+        <p:spPr/>
+        <p:txBody>
+          <a:bodyPr/>
+          <a:lstStyle/>
+          <a:p>
+            <a:fld id="{43EADD17-EDA7-4190-BE0A-00F3AB70E81E}" type="datetime1">
+              <a:rPr lang="de-DE" smtClean="0"/>
+              <a:t>29.09.2015</a:t>
+            </a:fld>
+            <a:endParaRPr lang="de-DE"/>
+          </a:p>
+        </p:txBody>
+      </p:sp>
+      <p:sp>
+        <p:nvSpPr>
+          <p:cNvPr id="5" name="Fußzeilenplatzhalter 4"/>
+          <p:cNvSpPr>
+            <a:spLocks noGrp="1"/>
+          </p:cNvSpPr>
+          <p:nvPr>
+            <p:ph type="ftr" sz="quarter" idx="11"/>
+          </p:nvPr>
+        </p:nvSpPr>
+        <p:spPr/>
+        <p:txBody>
+          <a:bodyPr/>
+          <a:lstStyle/>
+          <a:p>
+            <a:endParaRPr lang="de-DE"/>
+          </a:p>
+        </p:txBody>
+      </p:sp>
+      <p:sp>
+        <p:nvSpPr>
+          <p:cNvPr id="6" name="Foliennummernplatzhalter 5"/>
+          <p:cNvSpPr>
+            <a:spLocks noGrp="1"/>
+          </p:cNvSpPr>
+          <p:nvPr>
+            <p:ph type="sldNum" sz="quarter" idx="12"/>
+          </p:nvPr>
+        </p:nvSpPr>
+        <p:spPr/>
+        <p:txBody>
+          <a:bodyPr/>
+          <a:lstStyle/>
+          <a:p>
+            <a:fld id="{8FB897D6-A655-4A42-8293-768E0BCEFFFB}" type="slidenum">
+              <a:rPr lang="de-DE" smtClean="0"/>
+              <a:t>20</a:t>
+            </a:fld>
+            <a:endParaRPr lang="de-DE"/>
+          </a:p>
+        </p:txBody>
+      </p:sp>
+      <p:sp>
+        <p:nvSpPr>
+          <p:cNvPr id="9" name="Textfeld 8"/>
+          <p:cNvSpPr txBox="1"/>
+          <p:nvPr/>
+        </p:nvSpPr>
+        <p:spPr>
+          <a:xfrm>
+            <a:off x="2854503" y="5884905"/>
+            <a:ext cx="6542368" cy="369332"/>
+          </a:xfrm>
+          <a:prstGeom prst="rect">
+            <a:avLst/>
+          </a:prstGeom>
+          <a:noFill/>
+        </p:spPr>
+        <p:txBody>
+          <a:bodyPr wrap="none" rtlCol="0">
+            <a:spAutoFit/>
+          </a:bodyPr>
+          <a:lstStyle/>
+          <a:p>
+            <a:r>
+              <a:rPr lang="de-DE" dirty="0" smtClean="0"/>
+              <a:t>Erster Würfel mit Animation und Anzeige der gewürfelten Augenzahl</a:t>
+            </a:r>
+            <a:endParaRPr lang="de-DE" dirty="0"/>
+          </a:p>
+        </p:txBody>
+      </p:sp>
+    </p:spTree>
+    <p:extLst>
+      <p:ext uri="{BB962C8B-B14F-4D97-AF65-F5344CB8AC3E}">
+        <p14:creationId xmlns:p14="http://schemas.microsoft.com/office/powerpoint/2010/main" val="91025299"/>
+      </p:ext>
+    </p:extLst>
+  </p:cSld>
+  <p:clrMapOvr>
+    <a:masterClrMapping/>
+  </p:clrMapOvr>
+  <p:timing>
+    <p:tnLst>
+      <p:par>
+        <p:cTn id="1" dur="indefinite" restart="never" nodeType="tmRoot"/>
+      </p:par>
+    </p:tnLst>
+  </p:timing>
+</p:sld>
+</file>
+
+<file path=ppt/slides/slide21.xml><?xml version="1.0" encoding="utf-8"?>
+<p:sld xmlns:a="http://schemas.openxmlformats.org/drawingml/2006/main" xmlns:r="http://schemas.openxmlformats.org/officeDocument/2006/relationships" xmlns:p="http://schemas.openxmlformats.org/presentationml/2006/main">
+  <p:cSld>
+    <p:spTree>
+      <p:nvGrpSpPr>
+        <p:cNvPr id="1" name=""/>
+        <p:cNvGrpSpPr/>
+        <p:nvPr/>
+      </p:nvGrpSpPr>
+      <p:grpSpPr>
+        <a:xfrm>
+          <a:off x="0" y="0"/>
+          <a:ext cx="0" cy="0"/>
+          <a:chOff x="0" y="0"/>
+          <a:chExt cx="0" cy="0"/>
+        </a:xfrm>
+      </p:grpSpPr>
+      <p:sp>
+        <p:nvSpPr>
+          <p:cNvPr id="2" name="Titel 1"/>
+          <p:cNvSpPr>
+            <a:spLocks noGrp="1"/>
+          </p:cNvSpPr>
+          <p:nvPr>
+            <p:ph type="title"/>
+          </p:nvPr>
+        </p:nvSpPr>
+        <p:spPr>
+          <a:xfrm>
+            <a:off x="838200" y="365125"/>
+            <a:ext cx="10515600" cy="1080000"/>
+          </a:xfrm>
+        </p:spPr>
+        <p:txBody>
+          <a:bodyPr/>
+          <a:lstStyle/>
+          <a:p>
+            <a:r>
+              <a:rPr lang="de-DE" dirty="0" smtClean="0"/>
+              <a:t>Würfel</a:t>
+            </a:r>
+            <a:endParaRPr lang="de-DE" dirty="0"/>
+          </a:p>
+        </p:txBody>
+      </p:sp>
+      <p:sp>
+        <p:nvSpPr>
+          <p:cNvPr id="4" name="Datumsplatzhalter 3"/>
+          <p:cNvSpPr>
+            <a:spLocks noGrp="1"/>
+          </p:cNvSpPr>
+          <p:nvPr>
+            <p:ph type="dt" sz="half" idx="10"/>
+          </p:nvPr>
+        </p:nvSpPr>
+        <p:spPr/>
+        <p:txBody>
+          <a:bodyPr/>
+          <a:lstStyle/>
+          <a:p>
+            <a:fld id="{43EADD17-EDA7-4190-BE0A-00F3AB70E81E}" type="datetime1">
+              <a:rPr lang="de-DE" smtClean="0"/>
+              <a:t>29.09.2015</a:t>
+            </a:fld>
+            <a:endParaRPr lang="de-DE"/>
+          </a:p>
+        </p:txBody>
+      </p:sp>
+      <p:sp>
+        <p:nvSpPr>
+          <p:cNvPr id="5" name="Fußzeilenplatzhalter 4"/>
+          <p:cNvSpPr>
+            <a:spLocks noGrp="1"/>
+          </p:cNvSpPr>
+          <p:nvPr>
+            <p:ph type="ftr" sz="quarter" idx="11"/>
+          </p:nvPr>
+        </p:nvSpPr>
+        <p:spPr/>
+        <p:txBody>
+          <a:bodyPr/>
+          <a:lstStyle/>
+          <a:p>
+            <a:endParaRPr lang="de-DE"/>
+          </a:p>
+        </p:txBody>
+      </p:sp>
+      <p:sp>
+        <p:nvSpPr>
+          <p:cNvPr id="6" name="Foliennummernplatzhalter 5"/>
+          <p:cNvSpPr>
+            <a:spLocks noGrp="1"/>
+          </p:cNvSpPr>
+          <p:nvPr>
+            <p:ph type="sldNum" sz="quarter" idx="12"/>
+          </p:nvPr>
+        </p:nvSpPr>
+        <p:spPr/>
+        <p:txBody>
+          <a:bodyPr/>
+          <a:lstStyle/>
+          <a:p>
+            <a:fld id="{8FB897D6-A655-4A42-8293-768E0BCEFFFB}" type="slidenum">
+              <a:rPr lang="de-DE" smtClean="0"/>
+              <a:t>21</a:t>
+            </a:fld>
+            <a:endParaRPr lang="de-DE"/>
+          </a:p>
+        </p:txBody>
+      </p:sp>
+      <p:pic>
+        <p:nvPicPr>
+          <p:cNvPr id="10" name="Inhaltsplatzhalter 9"/>
+          <p:cNvPicPr>
+            <a:picLocks noGrp="1" noChangeAspect="1"/>
+          </p:cNvPicPr>
+          <p:nvPr>
+            <p:ph idx="1"/>
+          </p:nvPr>
+        </p:nvPicPr>
+        <p:blipFill>
+          <a:blip r:embed="rId2">
+            <a:extLst>
+              <a:ext uri="{28A0092B-C50C-407E-A947-70E740481C1C}">
+                <a14:useLocalDpi xmlns:a14="http://schemas.microsoft.com/office/drawing/2010/main" val="0"/>
+              </a:ext>
+            </a:extLst>
+          </a:blip>
+          <a:stretch>
+            <a:fillRect/>
+          </a:stretch>
+        </p:blipFill>
+        <p:spPr>
+          <a:xfrm>
+            <a:off x="2419341" y="1096357"/>
+            <a:ext cx="7353318" cy="4595824"/>
+          </a:xfrm>
+        </p:spPr>
+      </p:pic>
+      <p:sp>
+        <p:nvSpPr>
+          <p:cNvPr id="9" name="Textfeld 8"/>
+          <p:cNvSpPr txBox="1"/>
+          <p:nvPr/>
+        </p:nvSpPr>
+        <p:spPr>
+          <a:xfrm>
+            <a:off x="4338083" y="5807631"/>
+            <a:ext cx="3515834" cy="369332"/>
+          </a:xfrm>
+          <a:prstGeom prst="rect">
+            <a:avLst/>
+          </a:prstGeom>
+          <a:noFill/>
+        </p:spPr>
+        <p:txBody>
+          <a:bodyPr wrap="none" rtlCol="0">
+            <a:spAutoFit/>
+          </a:bodyPr>
+          <a:lstStyle/>
+          <a:p>
+            <a:r>
+              <a:rPr lang="de-DE" dirty="0" smtClean="0"/>
+              <a:t>Finaler Würfel mit Würfelanimation</a:t>
+            </a:r>
+            <a:endParaRPr lang="de-DE" dirty="0"/>
+          </a:p>
+        </p:txBody>
+      </p:sp>
+    </p:spTree>
+    <p:extLst>
+      <p:ext uri="{BB962C8B-B14F-4D97-AF65-F5344CB8AC3E}">
+        <p14:creationId xmlns:p14="http://schemas.microsoft.com/office/powerpoint/2010/main" val="3606739743"/>
+      </p:ext>
+    </p:extLst>
+  </p:cSld>
+  <p:clrMapOvr>
+    <a:masterClrMapping/>
+  </p:clrMapOvr>
+  <p:timing>
+    <p:tnLst>
+      <p:par>
+        <p:cTn id="1" dur="indefinite" restart="never" nodeType="tmRoot"/>
+      </p:par>
+    </p:tnLst>
+  </p:timing>
+</p:sld>
+</file>
+
+<file path=ppt/slides/slide22.xml><?xml version="1.0" encoding="utf-8"?>
+<p:sld xmlns:a="http://schemas.openxmlformats.org/drawingml/2006/main" xmlns:r="http://schemas.openxmlformats.org/officeDocument/2006/relationships" xmlns:p="http://schemas.openxmlformats.org/presentationml/2006/main">
+  <p:cSld>
+    <p:spTree>
+      <p:nvGrpSpPr>
+        <p:cNvPr id="1" name=""/>
+        <p:cNvGrpSpPr/>
+        <p:nvPr/>
+      </p:nvGrpSpPr>
+      <p:grpSpPr>
+        <a:xfrm>
+          <a:off x="0" y="0"/>
+          <a:ext cx="0" cy="0"/>
+          <a:chOff x="0" y="0"/>
+          <a:chExt cx="0" cy="0"/>
+        </a:xfrm>
+      </p:grpSpPr>
+      <p:sp>
+        <p:nvSpPr>
+          <p:cNvPr id="2" name="Titel 1"/>
+          <p:cNvSpPr>
+            <a:spLocks noGrp="1"/>
+          </p:cNvSpPr>
+          <p:nvPr>
+            <p:ph type="title"/>
+          </p:nvPr>
+        </p:nvSpPr>
+        <p:spPr>
+          <a:xfrm>
+            <a:off x="838200" y="365125"/>
+            <a:ext cx="10515600" cy="1080000"/>
+          </a:xfrm>
+        </p:spPr>
+        <p:txBody>
+          <a:bodyPr/>
+          <a:lstStyle/>
+          <a:p>
+            <a:r>
+              <a:rPr lang="de-DE" dirty="0" smtClean="0"/>
+              <a:t>Spielmenü</a:t>
+            </a:r>
+            <a:endParaRPr lang="de-DE" dirty="0"/>
+          </a:p>
+        </p:txBody>
+      </p:sp>
+      <p:sp>
+        <p:nvSpPr>
+          <p:cNvPr id="4" name="Datumsplatzhalter 3"/>
+          <p:cNvSpPr>
+            <a:spLocks noGrp="1"/>
+          </p:cNvSpPr>
+          <p:nvPr>
+            <p:ph type="dt" sz="half" idx="10"/>
+          </p:nvPr>
+        </p:nvSpPr>
+        <p:spPr/>
+        <p:txBody>
+          <a:bodyPr/>
+          <a:lstStyle/>
+          <a:p>
+            <a:fld id="{43EADD17-EDA7-4190-BE0A-00F3AB70E81E}" type="datetime1">
+              <a:rPr lang="de-DE" smtClean="0"/>
+              <a:t>29.09.2015</a:t>
+            </a:fld>
+            <a:endParaRPr lang="de-DE"/>
+          </a:p>
+        </p:txBody>
+      </p:sp>
+      <p:sp>
+        <p:nvSpPr>
+          <p:cNvPr id="5" name="Fußzeilenplatzhalter 4"/>
+          <p:cNvSpPr>
+            <a:spLocks noGrp="1"/>
+          </p:cNvSpPr>
+          <p:nvPr>
+            <p:ph type="ftr" sz="quarter" idx="11"/>
+          </p:nvPr>
+        </p:nvSpPr>
+        <p:spPr/>
+        <p:txBody>
+          <a:bodyPr/>
+          <a:lstStyle/>
+          <a:p>
+            <a:endParaRPr lang="de-DE"/>
+          </a:p>
+        </p:txBody>
+      </p:sp>
+      <p:sp>
+        <p:nvSpPr>
+          <p:cNvPr id="6" name="Foliennummernplatzhalter 5"/>
+          <p:cNvSpPr>
+            <a:spLocks noGrp="1"/>
+          </p:cNvSpPr>
+          <p:nvPr>
+            <p:ph type="sldNum" sz="quarter" idx="12"/>
+          </p:nvPr>
+        </p:nvSpPr>
+        <p:spPr/>
+        <p:txBody>
+          <a:bodyPr/>
+          <a:lstStyle/>
+          <a:p>
+            <a:fld id="{8FB897D6-A655-4A42-8293-768E0BCEFFFB}" type="slidenum">
+              <a:rPr lang="de-DE" smtClean="0"/>
+              <a:t>22</a:t>
+            </a:fld>
+            <a:endParaRPr lang="de-DE"/>
+          </a:p>
+        </p:txBody>
+      </p:sp>
+      <p:pic>
+        <p:nvPicPr>
+          <p:cNvPr id="7" name="Inhaltsplatzhalter 6"/>
+          <p:cNvPicPr>
+            <a:picLocks noGrp="1" noChangeAspect="1"/>
+          </p:cNvPicPr>
+          <p:nvPr>
+            <p:ph idx="1"/>
+          </p:nvPr>
+        </p:nvPicPr>
+        <p:blipFill>
+          <a:blip r:embed="rId2"/>
+          <a:stretch>
+            <a:fillRect/>
+          </a:stretch>
+        </p:blipFill>
+        <p:spPr>
+          <a:xfrm>
+            <a:off x="2655362" y="1117701"/>
+            <a:ext cx="6881276" cy="4731570"/>
+          </a:xfrm>
+          <a:prstGeom prst="rect">
+            <a:avLst/>
+          </a:prstGeom>
+          <a:noFill/>
+          <a:ln cap="flat">
+            <a:noFill/>
+          </a:ln>
+        </p:spPr>
+      </p:pic>
+      <p:sp>
+        <p:nvSpPr>
+          <p:cNvPr id="8" name="Textfeld 7"/>
+          <p:cNvSpPr txBox="1"/>
+          <p:nvPr/>
+        </p:nvSpPr>
+        <p:spPr>
+          <a:xfrm>
+            <a:off x="3969744" y="5929365"/>
+            <a:ext cx="4252511" cy="369332"/>
+          </a:xfrm>
+          <a:prstGeom prst="rect">
+            <a:avLst/>
+          </a:prstGeom>
+          <a:noFill/>
+        </p:spPr>
+        <p:txBody>
+          <a:bodyPr wrap="none" rtlCol="0">
+            <a:spAutoFit/>
+          </a:bodyPr>
+          <a:lstStyle/>
+          <a:p>
+            <a:r>
+              <a:rPr lang="de-DE" dirty="0" smtClean="0"/>
+              <a:t>Erstes Spielmenü mit Farb- und Spielerwahl</a:t>
+            </a:r>
+            <a:endParaRPr lang="de-DE" dirty="0"/>
+          </a:p>
+        </p:txBody>
+      </p:sp>
+    </p:spTree>
+    <p:extLst>
+      <p:ext uri="{BB962C8B-B14F-4D97-AF65-F5344CB8AC3E}">
+        <p14:creationId xmlns:p14="http://schemas.microsoft.com/office/powerpoint/2010/main" val="346712417"/>
+      </p:ext>
+    </p:extLst>
+  </p:cSld>
+  <p:clrMapOvr>
+    <a:masterClrMapping/>
+  </p:clrMapOvr>
+  <p:timing>
+    <p:tnLst>
+      <p:par>
+        <p:cTn id="1" dur="indefinite" restart="never" nodeType="tmRoot"/>
+      </p:par>
+    </p:tnLst>
+  </p:timing>
+</p:sld>
+</file>
+
+<file path=ppt/slides/slide23.xml><?xml version="1.0" encoding="utf-8"?>
+<p:sld xmlns:a="http://schemas.openxmlformats.org/drawingml/2006/main" xmlns:r="http://schemas.openxmlformats.org/officeDocument/2006/relationships" xmlns:p="http://schemas.openxmlformats.org/presentationml/2006/main">
+  <p:cSld>
+    <p:spTree>
+      <p:nvGrpSpPr>
+        <p:cNvPr id="1" name=""/>
+        <p:cNvGrpSpPr/>
+        <p:nvPr/>
+      </p:nvGrpSpPr>
+      <p:grpSpPr>
+        <a:xfrm>
+          <a:off x="0" y="0"/>
+          <a:ext cx="0" cy="0"/>
+          <a:chOff x="0" y="0"/>
+          <a:chExt cx="0" cy="0"/>
+        </a:xfrm>
+      </p:grpSpPr>
+      <p:sp>
+        <p:nvSpPr>
+          <p:cNvPr id="2" name="Titel 1"/>
+          <p:cNvSpPr>
+            <a:spLocks noGrp="1"/>
+          </p:cNvSpPr>
+          <p:nvPr>
+            <p:ph type="title"/>
+          </p:nvPr>
+        </p:nvSpPr>
+        <p:spPr>
+          <a:xfrm>
+            <a:off x="838200" y="365125"/>
+            <a:ext cx="10515600" cy="1080000"/>
+          </a:xfrm>
+        </p:spPr>
+        <p:txBody>
+          <a:bodyPr/>
+          <a:lstStyle/>
+          <a:p>
+            <a:r>
+              <a:rPr lang="de-DE" dirty="0" smtClean="0"/>
+              <a:t>Spielmenü</a:t>
+            </a:r>
+            <a:endParaRPr lang="de-DE" dirty="0"/>
+          </a:p>
+        </p:txBody>
+      </p:sp>
+      <p:sp>
+        <p:nvSpPr>
+          <p:cNvPr id="4" name="Datumsplatzhalter 3"/>
+          <p:cNvSpPr>
+            <a:spLocks noGrp="1"/>
+          </p:cNvSpPr>
+          <p:nvPr>
+            <p:ph type="dt" sz="half" idx="10"/>
+          </p:nvPr>
+        </p:nvSpPr>
+        <p:spPr/>
+        <p:txBody>
+          <a:bodyPr/>
+          <a:lstStyle/>
+          <a:p>
+            <a:fld id="{43EADD17-EDA7-4190-BE0A-00F3AB70E81E}" type="datetime1">
+              <a:rPr lang="de-DE" smtClean="0"/>
+              <a:t>29.09.2015</a:t>
+            </a:fld>
+            <a:endParaRPr lang="de-DE"/>
+          </a:p>
+        </p:txBody>
+      </p:sp>
+      <p:sp>
+        <p:nvSpPr>
+          <p:cNvPr id="5" name="Fußzeilenplatzhalter 4"/>
+          <p:cNvSpPr>
+            <a:spLocks noGrp="1"/>
+          </p:cNvSpPr>
+          <p:nvPr>
+            <p:ph type="ftr" sz="quarter" idx="11"/>
+          </p:nvPr>
+        </p:nvSpPr>
+        <p:spPr/>
+        <p:txBody>
+          <a:bodyPr/>
+          <a:lstStyle/>
+          <a:p>
+            <a:endParaRPr lang="de-DE"/>
+          </a:p>
+        </p:txBody>
+      </p:sp>
+      <p:sp>
+        <p:nvSpPr>
+          <p:cNvPr id="6" name="Foliennummernplatzhalter 5"/>
+          <p:cNvSpPr>
+            <a:spLocks noGrp="1"/>
+          </p:cNvSpPr>
+          <p:nvPr>
+            <p:ph type="sldNum" sz="quarter" idx="12"/>
+          </p:nvPr>
+        </p:nvSpPr>
+        <p:spPr/>
+        <p:txBody>
+          <a:bodyPr/>
+          <a:lstStyle/>
+          <a:p>
+            <a:fld id="{8FB897D6-A655-4A42-8293-768E0BCEFFFB}" type="slidenum">
+              <a:rPr lang="de-DE" smtClean="0"/>
+              <a:t>23</a:t>
+            </a:fld>
+            <a:endParaRPr lang="de-DE"/>
+          </a:p>
+        </p:txBody>
+      </p:sp>
+      <p:pic>
+        <p:nvPicPr>
+          <p:cNvPr id="7" name="Inhaltsplatzhalter 6"/>
+          <p:cNvPicPr>
+            <a:picLocks noGrp="1" noChangeAspect="1"/>
+          </p:cNvPicPr>
+          <p:nvPr>
+            <p:ph idx="1"/>
+          </p:nvPr>
+        </p:nvPicPr>
+        <p:blipFill>
+          <a:blip r:embed="rId2" cstate="print">
+            <a:extLst>
+              <a:ext uri="{28A0092B-C50C-407E-A947-70E740481C1C}">
+                <a14:useLocalDpi xmlns:a14="http://schemas.microsoft.com/office/drawing/2010/main" val="0"/>
+              </a:ext>
+            </a:extLst>
+          </a:blip>
+          <a:stretch>
+            <a:fillRect/>
+          </a:stretch>
+        </p:blipFill>
+        <p:spPr>
+          <a:xfrm>
+            <a:off x="6198186" y="1445124"/>
+            <a:ext cx="5847853" cy="3654909"/>
+          </a:xfrm>
+        </p:spPr>
+      </p:pic>
+      <p:pic>
+        <p:nvPicPr>
+          <p:cNvPr id="8" name="Grafik 7"/>
+          <p:cNvPicPr>
+            <a:picLocks noChangeAspect="1"/>
+          </p:cNvPicPr>
+          <p:nvPr/>
+        </p:nvPicPr>
+        <p:blipFill>
+          <a:blip r:embed="rId3" cstate="print">
+            <a:extLst>
+              <a:ext uri="{28A0092B-C50C-407E-A947-70E740481C1C}">
+                <a14:useLocalDpi xmlns:a14="http://schemas.microsoft.com/office/drawing/2010/main" val="0"/>
+              </a:ext>
+            </a:extLst>
+          </a:blip>
+          <a:stretch>
+            <a:fillRect/>
+          </a:stretch>
+        </p:blipFill>
+        <p:spPr>
+          <a:xfrm>
+            <a:off x="145961" y="1445125"/>
+            <a:ext cx="5847855" cy="3654909"/>
+          </a:xfrm>
+          <a:prstGeom prst="rect">
+            <a:avLst/>
+          </a:prstGeom>
+        </p:spPr>
+      </p:pic>
+      <p:sp>
+        <p:nvSpPr>
+          <p:cNvPr id="9" name="Textfeld 8"/>
+          <p:cNvSpPr txBox="1"/>
+          <p:nvPr/>
+        </p:nvSpPr>
+        <p:spPr>
+          <a:xfrm>
+            <a:off x="3447839" y="5174193"/>
+            <a:ext cx="5296322" cy="369332"/>
+          </a:xfrm>
+          <a:prstGeom prst="rect">
+            <a:avLst/>
+          </a:prstGeom>
+          <a:noFill/>
+        </p:spPr>
+        <p:txBody>
+          <a:bodyPr wrap="none" rtlCol="0">
+            <a:spAutoFit/>
+          </a:bodyPr>
+          <a:lstStyle/>
+          <a:p>
+            <a:r>
+              <a:rPr lang="de-DE" dirty="0" smtClean="0"/>
+              <a:t>Finales Spielmenü mit Spieler-, Farb- und Namenswahl</a:t>
+            </a:r>
+            <a:endParaRPr lang="de-DE" dirty="0"/>
+          </a:p>
+        </p:txBody>
+      </p:sp>
+    </p:spTree>
+    <p:extLst>
+      <p:ext uri="{BB962C8B-B14F-4D97-AF65-F5344CB8AC3E}">
+        <p14:creationId xmlns:p14="http://schemas.microsoft.com/office/powerpoint/2010/main" val="2763201152"/>
+      </p:ext>
+    </p:extLst>
+  </p:cSld>
+  <p:clrMapOvr>
+    <a:masterClrMapping/>
+  </p:clrMapOvr>
+  <p:timing>
+    <p:tnLst>
+      <p:par>
+        <p:cTn id="1" dur="indefinite" restart="never" nodeType="tmRoot"/>
+      </p:par>
+    </p:tnLst>
+  </p:timing>
 </p:sld>
 </file>
 
@@ -4714,7 +7219,7 @@
           <a:p>
             <a:fld id="{43EADD17-EDA7-4190-BE0A-00F3AB70E81E}" type="datetime1">
               <a:rPr lang="de-DE" smtClean="0"/>
-              <a:t>28.09.2015</a:t>
+              <a:t>29.09.2015</a:t>
             </a:fld>
             <a:endParaRPr lang="de-DE"/>
           </a:p>
@@ -4772,6 +7277,13 @@
   <p:clrMapOvr>
     <a:masterClrMapping/>
   </p:clrMapOvr>
+  <p:timing>
+    <p:tnLst>
+      <p:par>
+        <p:cTn id="1" dur="indefinite" restart="never" nodeType="tmRoot"/>
+      </p:par>
+    </p:tnLst>
+  </p:timing>
 </p:sld>
 </file>
 
@@ -4890,7 +7402,7 @@
           <a:p>
             <a:fld id="{43EADD17-EDA7-4190-BE0A-00F3AB70E81E}" type="datetime1">
               <a:rPr lang="de-DE" smtClean="0"/>
-              <a:t>28.09.2015</a:t>
+              <a:t>29.09.2015</a:t>
             </a:fld>
             <a:endParaRPr lang="de-DE"/>
           </a:p>
@@ -4948,6 +7460,13 @@
   <p:clrMapOvr>
     <a:masterClrMapping/>
   </p:clrMapOvr>
+  <p:timing>
+    <p:tnLst>
+      <p:par>
+        <p:cTn id="1" dur="indefinite" restart="never" nodeType="tmRoot"/>
+      </p:par>
+    </p:tnLst>
+  </p:timing>
 </p:sld>
 </file>
 
@@ -5047,7 +7566,7 @@
           <a:p>
             <a:fld id="{43EADD17-EDA7-4190-BE0A-00F3AB70E81E}" type="datetime1">
               <a:rPr lang="de-DE" smtClean="0"/>
-              <a:t>28.09.2015</a:t>
+              <a:t>29.09.2015</a:t>
             </a:fld>
             <a:endParaRPr lang="de-DE"/>
           </a:p>
@@ -5105,6 +7624,13 @@
   <p:clrMapOvr>
     <a:masterClrMapping/>
   </p:clrMapOvr>
+  <p:timing>
+    <p:tnLst>
+      <p:par>
+        <p:cTn id="1" dur="indefinite" restart="never" nodeType="tmRoot"/>
+      </p:par>
+    </p:tnLst>
+  </p:timing>
 </p:sld>
 </file>
 
@@ -5270,7 +7796,7 @@
           <a:p>
             <a:fld id="{43EADD17-EDA7-4190-BE0A-00F3AB70E81E}" type="datetime1">
               <a:rPr lang="de-DE" smtClean="0"/>
-              <a:t>28.09.2015</a:t>
+              <a:t>29.09.2015</a:t>
             </a:fld>
             <a:endParaRPr lang="de-DE"/>
           </a:p>
@@ -5328,6 +7854,13 @@
   <p:clrMapOvr>
     <a:masterClrMapping/>
   </p:clrMapOvr>
+  <p:timing>
+    <p:tnLst>
+      <p:par>
+        <p:cTn id="1" dur="indefinite" restart="never" nodeType="tmRoot"/>
+      </p:par>
+    </p:tnLst>
+  </p:timing>
 </p:sld>
 </file>
 
@@ -5414,7 +7947,6 @@
               <a:rPr lang="de-DE" dirty="0" smtClean="0"/>
               <a:t>Enthält den Würfel mit entsprechender Würfeltextur, d.h. die Anzahl der Punkte von 1 bis 6</a:t>
             </a:r>
-            <a:endParaRPr lang="de-DE" dirty="0" smtClean="0"/>
           </a:p>
           <a:p>
             <a:r>
@@ -5456,7 +7988,7 @@
           <a:p>
             <a:fld id="{43EADD17-EDA7-4190-BE0A-00F3AB70E81E}" type="datetime1">
               <a:rPr lang="de-DE" smtClean="0"/>
-              <a:t>28.09.2015</a:t>
+              <a:t>29.09.2015</a:t>
             </a:fld>
             <a:endParaRPr lang="de-DE"/>
           </a:p>
@@ -5514,6 +8046,13 @@
   <p:clrMapOvr>
     <a:masterClrMapping/>
   </p:clrMapOvr>
+  <p:timing>
+    <p:tnLst>
+      <p:par>
+        <p:cTn id="1" dur="indefinite" restart="never" nodeType="tmRoot"/>
+      </p:par>
+    </p:tnLst>
+  </p:timing>
 </p:sld>
 </file>
 
@@ -5628,7 +8167,7 @@
           <a:p>
             <a:fld id="{43EADD17-EDA7-4190-BE0A-00F3AB70E81E}" type="datetime1">
               <a:rPr lang="de-DE" smtClean="0"/>
-              <a:t>28.09.2015</a:t>
+              <a:t>29.09.2015</a:t>
             </a:fld>
             <a:endParaRPr lang="de-DE"/>
           </a:p>
@@ -5686,6 +8225,13 @@
   <p:clrMapOvr>
     <a:masterClrMapping/>
   </p:clrMapOvr>
+  <p:timing>
+    <p:tnLst>
+      <p:par>
+        <p:cTn id="1" dur="indefinite" restart="never" nodeType="tmRoot"/>
+      </p:par>
+    </p:tnLst>
+  </p:timing>
 </p:sld>
 </file>
 
@@ -5825,7 +8371,7 @@
           <a:p>
             <a:fld id="{43EADD17-EDA7-4190-BE0A-00F3AB70E81E}" type="datetime1">
               <a:rPr lang="de-DE" smtClean="0"/>
-              <a:t>28.09.2015</a:t>
+              <a:t>29.09.2015</a:t>
             </a:fld>
             <a:endParaRPr lang="de-DE"/>
           </a:p>
@@ -5883,6 +8429,13 @@
   <p:clrMapOvr>
     <a:masterClrMapping/>
   </p:clrMapOvr>
+  <p:timing>
+    <p:tnLst>
+      <p:par>
+        <p:cTn id="1" dur="indefinite" restart="never" nodeType="tmRoot"/>
+      </p:par>
+    </p:tnLst>
+  </p:timing>
 </p:sld>
 </file>
 

--- a/Finale Präsentation.pptx
+++ b/Finale Präsentation.pptx
@@ -3453,15 +3453,7 @@
           <a:p>
             <a:r>
               <a:rPr lang="de-DE" sz="8000" b="1" dirty="0" smtClean="0"/>
-              <a:t>Mensch ärgere </a:t>
-            </a:r>
-            <a:r>
-              <a:rPr lang="de-DE" sz="8000" b="1" dirty="0" smtClean="0"/>
-              <a:t>Dich </a:t>
-            </a:r>
-            <a:r>
-              <a:rPr lang="de-DE" sz="8000" b="1" dirty="0" smtClean="0"/>
-              <a:t>nicht</a:t>
+              <a:t>Mensch ärgere Dich nicht</a:t>
             </a:r>
             <a:endParaRPr lang="de-DE" sz="8000" b="1" dirty="0"/>
           </a:p>
@@ -4543,7 +4535,6 @@
               <a:rPr lang="de-DE" dirty="0" smtClean="0"/>
               <a:t>Einige nicht bedachte Risiken/Probleme tauchten während des Projektes auf, konnten jedoch gelöst werden. Dazu gehörten z.B. den Schattenwurf der Objekte, Drehung des/der Spielfeldes/Kamera, Klick-Events der Maus und die Logik des Setzverfahrens.</a:t>
             </a:r>
-            <a:endParaRPr lang="de-DE" dirty="0" smtClean="0"/>
           </a:p>
         </p:txBody>
       </p:sp>
@@ -4673,7 +4664,6 @@
               <a:rPr lang="de-DE" dirty="0"/>
               <a:t>Vergleich Projektplanung/Realität</a:t>
             </a:r>
-            <a:endParaRPr lang="de-DE" dirty="0"/>
           </a:p>
         </p:txBody>
       </p:sp>
@@ -6250,14 +6240,12 @@
               <a:rPr lang="de-DE" dirty="0" smtClean="0"/>
               <a:t>Aufgaben</a:t>
             </a:r>
-            <a:endParaRPr lang="de-DE" dirty="0" smtClean="0"/>
           </a:p>
           <a:p>
             <a:r>
               <a:rPr lang="de-DE" dirty="0" smtClean="0"/>
               <a:t>Entwicklungsstadien der Anwendung</a:t>
             </a:r>
-            <a:endParaRPr lang="de-DE" dirty="0" smtClean="0"/>
           </a:p>
         </p:txBody>
       </p:sp>
@@ -7180,30 +7168,6 @@
       </p:sp>
       <p:sp>
         <p:nvSpPr>
-          <p:cNvPr id="3" name="Inhaltsplatzhalter 2"/>
-          <p:cNvSpPr>
-            <a:spLocks noGrp="1"/>
-          </p:cNvSpPr>
-          <p:nvPr>
-            <p:ph idx="1"/>
-          </p:nvPr>
-        </p:nvSpPr>
-        <p:spPr>
-          <a:xfrm>
-            <a:off x="838200" y="1560737"/>
-            <a:ext cx="10515600" cy="4680000"/>
-          </a:xfrm>
-        </p:spPr>
-        <p:txBody>
-          <a:bodyPr/>
-          <a:lstStyle/>
-          <a:p>
-            <a:endParaRPr lang="de-DE"/>
-          </a:p>
-        </p:txBody>
-      </p:sp>
-      <p:sp>
-        <p:nvSpPr>
           <p:cNvPr id="4" name="Datumsplatzhalter 3"/>
           <p:cNvSpPr>
             <a:spLocks noGrp="1"/>
@@ -7264,6 +7228,38 @@
               <a:t>3</a:t>
             </a:fld>
             <a:endParaRPr lang="de-DE"/>
+          </a:p>
+        </p:txBody>
+      </p:sp>
+      <p:sp>
+        <p:nvSpPr>
+          <p:cNvPr id="8" name="Inhaltsplatzhalter 7"/>
+          <p:cNvSpPr>
+            <a:spLocks noGrp="1"/>
+          </p:cNvSpPr>
+          <p:nvPr>
+            <p:ph idx="1"/>
+          </p:nvPr>
+        </p:nvSpPr>
+        <p:spPr/>
+        <p:txBody>
+          <a:bodyPr/>
+          <a:lstStyle/>
+          <a:p>
+            <a:pPr marL="0" indent="0">
+              <a:buNone/>
+            </a:pPr>
+            <a:r>
+              <a:rPr lang="de-DE" dirty="0" smtClean="0">
+                <a:hlinkClick r:id="rId2"/>
+              </a:rPr>
+              <a:t>Link</a:t>
+            </a:r>
+            <a:r>
+              <a:rPr lang="de-DE" dirty="0" smtClean="0"/>
+              <a:t> zum Video</a:t>
+            </a:r>
+            <a:endParaRPr lang="de-DE" dirty="0"/>
           </a:p>
         </p:txBody>
       </p:sp>

--- a/Finale Präsentation.pptx
+++ b/Finale Präsentation.pptx
@@ -219,7 +219,7 @@
           <a:p>
             <a:fld id="{FFDD4623-2897-493B-A7DB-6DE9A00B2531}" type="datetimeFigureOut">
               <a:rPr lang="de-DE" smtClean="0"/>
-              <a:t>29.09.2015</a:t>
+              <a:t>30.09.2015</a:t>
             </a:fld>
             <a:endParaRPr lang="de-DE"/>
           </a:p>
@@ -702,7 +702,7 @@
           <a:p>
             <a:fld id="{23AF8C4C-7D64-4405-9B24-5449A2CEC930}" type="datetime1">
               <a:rPr lang="de-DE" smtClean="0"/>
-              <a:t>29.09.2015</a:t>
+              <a:t>30.09.2015</a:t>
             </a:fld>
             <a:endParaRPr lang="de-DE"/>
           </a:p>
@@ -872,7 +872,7 @@
           <a:p>
             <a:fld id="{32D51906-0CD3-412D-AFFF-3D87DBBFBAA3}" type="datetime1">
               <a:rPr lang="de-DE" smtClean="0"/>
-              <a:t>29.09.2015</a:t>
+              <a:t>30.09.2015</a:t>
             </a:fld>
             <a:endParaRPr lang="de-DE"/>
           </a:p>
@@ -1052,7 +1052,7 @@
           <a:p>
             <a:fld id="{ECDF7C70-AFE0-435E-A95C-CA506B7838D5}" type="datetime1">
               <a:rPr lang="de-DE" smtClean="0"/>
-              <a:t>29.09.2015</a:t>
+              <a:t>30.09.2015</a:t>
             </a:fld>
             <a:endParaRPr lang="de-DE"/>
           </a:p>
@@ -1222,7 +1222,7 @@
           <a:p>
             <a:fld id="{43EADD17-EDA7-4190-BE0A-00F3AB70E81E}" type="datetime1">
               <a:rPr lang="de-DE" smtClean="0"/>
-              <a:t>29.09.2015</a:t>
+              <a:t>30.09.2015</a:t>
             </a:fld>
             <a:endParaRPr lang="de-DE"/>
           </a:p>
@@ -1468,7 +1468,7 @@
           <a:p>
             <a:fld id="{5654A2DD-751D-4632-9990-4939B991C132}" type="datetime1">
               <a:rPr lang="de-DE" smtClean="0"/>
-              <a:t>29.09.2015</a:t>
+              <a:t>30.09.2015</a:t>
             </a:fld>
             <a:endParaRPr lang="de-DE"/>
           </a:p>
@@ -1700,7 +1700,7 @@
           <a:p>
             <a:fld id="{098827EB-B21F-4A27-AD0A-C22BB5793DD5}" type="datetime1">
               <a:rPr lang="de-DE" smtClean="0"/>
-              <a:t>29.09.2015</a:t>
+              <a:t>30.09.2015</a:t>
             </a:fld>
             <a:endParaRPr lang="de-DE"/>
           </a:p>
@@ -2067,7 +2067,7 @@
           <a:p>
             <a:fld id="{BEAFB267-6443-49D2-B835-A18D0F33B586}" type="datetime1">
               <a:rPr lang="de-DE" smtClean="0"/>
-              <a:t>29.09.2015</a:t>
+              <a:t>30.09.2015</a:t>
             </a:fld>
             <a:endParaRPr lang="de-DE"/>
           </a:p>
@@ -2185,7 +2185,7 @@
           <a:p>
             <a:fld id="{71105735-7FB8-42B6-B004-2CF2D9DCB465}" type="datetime1">
               <a:rPr lang="de-DE" smtClean="0"/>
-              <a:t>29.09.2015</a:t>
+              <a:t>30.09.2015</a:t>
             </a:fld>
             <a:endParaRPr lang="de-DE"/>
           </a:p>
@@ -2280,7 +2280,7 @@
           <a:p>
             <a:fld id="{DDC20371-C35F-4A88-B01B-547252A0B0DC}" type="datetime1">
               <a:rPr lang="de-DE" smtClean="0"/>
-              <a:t>29.09.2015</a:t>
+              <a:t>30.09.2015</a:t>
             </a:fld>
             <a:endParaRPr lang="de-DE"/>
           </a:p>
@@ -2557,7 +2557,7 @@
           <a:p>
             <a:fld id="{1D6FA6A8-0A31-4FED-AA6B-08FF694675DA}" type="datetime1">
               <a:rPr lang="de-DE" smtClean="0"/>
-              <a:t>29.09.2015</a:t>
+              <a:t>30.09.2015</a:t>
             </a:fld>
             <a:endParaRPr lang="de-DE"/>
           </a:p>
@@ -2810,7 +2810,7 @@
           <a:p>
             <a:fld id="{C17584BE-AEB3-4555-B889-35B6E96FFC78}" type="datetime1">
               <a:rPr lang="de-DE" smtClean="0"/>
-              <a:t>29.09.2015</a:t>
+              <a:t>30.09.2015</a:t>
             </a:fld>
             <a:endParaRPr lang="de-DE"/>
           </a:p>
@@ -3023,7 +3023,7 @@
           <a:p>
             <a:fld id="{441700E9-A50F-4D8D-8FA6-A130BF0D4EDD}" type="datetime1">
               <a:rPr lang="de-DE" smtClean="0"/>
-              <a:t>29.09.2015</a:t>
+              <a:t>30.09.2015</a:t>
             </a:fld>
             <a:endParaRPr lang="de-DE"/>
           </a:p>
@@ -3752,7 +3752,7 @@
           <a:p>
             <a:fld id="{43EADD17-EDA7-4190-BE0A-00F3AB70E81E}" type="datetime1">
               <a:rPr lang="de-DE" smtClean="0"/>
-              <a:t>29.09.2015</a:t>
+              <a:t>30.09.2015</a:t>
             </a:fld>
             <a:endParaRPr lang="de-DE"/>
           </a:p>
@@ -3773,7 +3773,11 @@
           <a:bodyPr/>
           <a:lstStyle/>
           <a:p>
-            <a:endParaRPr lang="de-DE"/>
+            <a:r>
+              <a:rPr lang="de-DE" dirty="0"/>
+              <a:t>Systemarchitektur der Anwendung</a:t>
+            </a:r>
+            <a:endParaRPr lang="de-DE" dirty="0"/>
           </a:p>
         </p:txBody>
       </p:sp>
@@ -3922,15 +3926,39 @@
             <a:pPr lvl="2"/>
             <a:r>
               <a:rPr lang="de-DE" dirty="0" smtClean="0"/>
-              <a:t>Spiel- und Zielfelder bekommen dynamisch Attribute, sofern eine Spielfigur darauf sitzt. Sie bekommen dann eine Eigenschaft, die das Feld </a:t>
-            </a:r>
-            <a:r>
-              <a:rPr lang="de-DE" smtClean="0"/>
-              <a:t>als „besetzt“ </a:t>
-            </a:r>
-            <a:r>
-              <a:rPr lang="de-DE" dirty="0" smtClean="0"/>
-              <a:t>kennzeichnet. Verlässt die Figur das Feld, wird die Markierung gelöscht</a:t>
+              <a:t>Spiel- und Zielfelder bekommen dynamisch </a:t>
+            </a:r>
+            <a:r>
+              <a:rPr lang="de-DE" dirty="0" smtClean="0"/>
+              <a:t>Attribute zugewiesen, </a:t>
+            </a:r>
+            <a:r>
+              <a:rPr lang="de-DE" dirty="0" smtClean="0"/>
+              <a:t>sofern eine Spielfigur darauf sitzt. Sie bekommen dann eine Eigenschaft, die das </a:t>
+            </a:r>
+            <a:r>
+              <a:rPr lang="de-DE" dirty="0" smtClean="0"/>
+              <a:t>Feld, </a:t>
+            </a:r>
+            <a:r>
+              <a:rPr lang="de-DE" dirty="0"/>
+              <a:t>mit der entsprechenden </a:t>
+            </a:r>
+            <a:r>
+              <a:rPr lang="de-DE" dirty="0" smtClean="0"/>
+              <a:t>Spielfigur, </a:t>
+            </a:r>
+            <a:r>
+              <a:rPr lang="de-DE" dirty="0" smtClean="0"/>
+              <a:t>als „</a:t>
+            </a:r>
+            <a:r>
+              <a:rPr lang="de-DE" dirty="0" smtClean="0"/>
+              <a:t>besetzt“ kennzeichnet</a:t>
+            </a:r>
+            <a:r>
+              <a:rPr lang="de-DE" dirty="0" smtClean="0"/>
+              <a:t>. Verlässt die Figur das Feld, wird die Markierung gelöscht</a:t>
             </a:r>
           </a:p>
         </p:txBody>
@@ -3952,7 +3980,7 @@
           <a:p>
             <a:fld id="{43EADD17-EDA7-4190-BE0A-00F3AB70E81E}" type="datetime1">
               <a:rPr lang="de-DE" smtClean="0"/>
-              <a:t>29.09.2015</a:t>
+              <a:t>30.09.2015</a:t>
             </a:fld>
             <a:endParaRPr lang="de-DE"/>
           </a:p>
@@ -3973,7 +4001,11 @@
           <a:bodyPr/>
           <a:lstStyle/>
           <a:p>
-            <a:endParaRPr lang="de-DE"/>
+            <a:r>
+              <a:rPr lang="de-DE" dirty="0"/>
+              <a:t>Systemarchitektur der Anwendung</a:t>
+            </a:r>
+            <a:endParaRPr lang="de-DE" dirty="0"/>
           </a:p>
         </p:txBody>
       </p:sp>
@@ -4125,7 +4157,15 @@
             </a:r>
             <a:r>
               <a:rPr lang="de-DE" dirty="0" smtClean="0"/>
-              <a:t> Figur auf seinem Hausfeld</a:t>
+              <a:t> </a:t>
+            </a:r>
+            <a:r>
+              <a:rPr lang="de-DE" dirty="0" smtClean="0"/>
+              <a:t>Figur befindet sich </a:t>
+            </a:r>
+            <a:r>
+              <a:rPr lang="de-DE" dirty="0" smtClean="0"/>
+              <a:t>auf seinem Hausfeld</a:t>
             </a:r>
           </a:p>
           <a:p>
@@ -4185,7 +4225,7 @@
           <a:p>
             <a:fld id="{43EADD17-EDA7-4190-BE0A-00F3AB70E81E}" type="datetime1">
               <a:rPr lang="de-DE" smtClean="0"/>
-              <a:t>29.09.2015</a:t>
+              <a:t>30.09.2015</a:t>
             </a:fld>
             <a:endParaRPr lang="de-DE"/>
           </a:p>
@@ -4206,7 +4246,11 @@
           <a:bodyPr/>
           <a:lstStyle/>
           <a:p>
-            <a:endParaRPr lang="de-DE"/>
+            <a:r>
+              <a:rPr lang="de-DE" dirty="0"/>
+              <a:t>Systemarchitektur der Anwendung</a:t>
+            </a:r>
+            <a:endParaRPr lang="de-DE" dirty="0"/>
           </a:p>
         </p:txBody>
       </p:sp>
@@ -4343,7 +4387,23 @@
             <a:pPr lvl="2"/>
             <a:r>
               <a:rPr lang="de-DE" dirty="0" smtClean="0"/>
-              <a:t>Die meisten Objekte, wie Spielfelder und Spieler, werden in einem einfachen Array gespeichert, um sie während des Spielbetriebes einfach zu durchlaufen und systematisch abzuarbeiten</a:t>
+              <a:t>Die meisten Objekte, </a:t>
+            </a:r>
+            <a:r>
+              <a:rPr lang="de-DE" dirty="0" smtClean="0"/>
+              <a:t>wie die normale </a:t>
+            </a:r>
+            <a:r>
+              <a:rPr lang="de-DE" dirty="0" smtClean="0"/>
+              <a:t>Spielfelder und </a:t>
+            </a:r>
+            <a:r>
+              <a:rPr lang="de-DE" dirty="0" smtClean="0"/>
+              <a:t>die Spieler</a:t>
+            </a:r>
+            <a:r>
+              <a:rPr lang="de-DE" dirty="0" smtClean="0"/>
+              <a:t>, werden in einem einfachen Array gespeichert, um sie während des Spielbetriebes einfach zu durchlaufen und systematisch abzuarbeiten</a:t>
             </a:r>
           </a:p>
           <a:p>
@@ -4370,7 +4430,15 @@
             </a:r>
             <a:r>
               <a:rPr lang="de-DE" dirty="0" smtClean="0"/>
-              <a:t> abgespeichert. Das hat die Bedeutung jedes Feld eindeutig, anhand der jeweiligen Farbe und des Feldes an sich, zu identifizieren. </a:t>
+              <a:t> abgespeichert. Das hat </a:t>
+            </a:r>
+            <a:r>
+              <a:rPr lang="de-DE" dirty="0" smtClean="0"/>
+              <a:t>den Grund </a:t>
+            </a:r>
+            <a:r>
+              <a:rPr lang="de-DE" dirty="0" smtClean="0"/>
+              <a:t>jedes Feld eindeutig, anhand der jeweiligen Farbe und des Feldes an sich, zu identifizieren. </a:t>
             </a:r>
           </a:p>
         </p:txBody>
@@ -4392,7 +4460,7 @@
           <a:p>
             <a:fld id="{43EADD17-EDA7-4190-BE0A-00F3AB70E81E}" type="datetime1">
               <a:rPr lang="de-DE" smtClean="0"/>
-              <a:t>29.09.2015</a:t>
+              <a:t>30.09.2015</a:t>
             </a:fld>
             <a:endParaRPr lang="de-DE"/>
           </a:p>
@@ -4413,7 +4481,11 @@
           <a:bodyPr/>
           <a:lstStyle/>
           <a:p>
-            <a:endParaRPr lang="de-DE"/>
+            <a:r>
+              <a:rPr lang="de-DE" dirty="0"/>
+              <a:t>Systemarchitektur der Anwendung</a:t>
+            </a:r>
+            <a:endParaRPr lang="de-DE" dirty="0"/>
           </a:p>
         </p:txBody>
       </p:sp>
@@ -4527,13 +4599,53 @@
           <a:p>
             <a:r>
               <a:rPr lang="de-DE" dirty="0" smtClean="0"/>
-              <a:t>Den aufgestellten Zeitplan bei unserer Projektplanung konnten wir ohne Probleme einhalten. Einige Aufgaben wurden dabei vorgezogen, während andere später erledigt wurden. Des Weiteren wurden einige wenige Aufgaben unter den Teammitgliedern getauscht, da sie auf bestimmte Teilaufgaben des anderen Teammitgliedes aufgebaut haben.</a:t>
-            </a:r>
-          </a:p>
-          <a:p>
-            <a:r>
-              <a:rPr lang="de-DE" dirty="0" smtClean="0"/>
-              <a:t>Einige nicht bedachte Risiken/Probleme tauchten während des Projektes auf, konnten jedoch gelöst werden. Dazu gehörten z.B. den Schattenwurf der Objekte, Drehung des/der Spielfeldes/Kamera, Klick-Events der Maus und die Logik des Setzverfahrens.</a:t>
+              <a:t>Den aufgestellten Zeitplan bei unserer Projektplanung konnten wir ohne Probleme einhalten. Einige Aufgaben wurden dabei vorgezogen, </a:t>
+            </a:r>
+            <a:r>
+              <a:rPr lang="de-DE" dirty="0" smtClean="0"/>
+              <a:t>während wir </a:t>
+            </a:r>
+            <a:r>
+              <a:rPr lang="de-DE" dirty="0" smtClean="0"/>
+              <a:t>andere später </a:t>
+            </a:r>
+            <a:r>
+              <a:rPr lang="de-DE" dirty="0" smtClean="0"/>
+              <a:t>erledigten. </a:t>
+            </a:r>
+            <a:r>
+              <a:rPr lang="de-DE" dirty="0" smtClean="0"/>
+              <a:t>Des Weiteren wurden einige wenige Aufgaben unter den Teammitgliedern getauscht, da sie auf bestimmte Teilaufgaben des anderen Teammitgliedes aufgebaut haben.</a:t>
+            </a:r>
+          </a:p>
+          <a:p>
+            <a:r>
+              <a:rPr lang="de-DE" dirty="0" smtClean="0"/>
+              <a:t>Einige nicht bedachte Risiken/Probleme tauchten während des Projektes auf, konnten jedoch gelöst werden. Dazu gehörten z.B. </a:t>
+            </a:r>
+            <a:r>
+              <a:rPr lang="de-DE" dirty="0" smtClean="0"/>
+              <a:t>der </a:t>
+            </a:r>
+            <a:r>
+              <a:rPr lang="de-DE" dirty="0" smtClean="0"/>
+              <a:t>Schattenwurf der </a:t>
+            </a:r>
+            <a:r>
+              <a:rPr lang="de-DE" dirty="0" smtClean="0"/>
+              <a:t>3D-Objekte</a:t>
+            </a:r>
+            <a:r>
+              <a:rPr lang="de-DE" dirty="0" smtClean="0"/>
+              <a:t>, Drehung des/der Spielfeldes/Kamera, </a:t>
+            </a:r>
+            <a:r>
+              <a:rPr lang="de-DE" dirty="0" smtClean="0"/>
+              <a:t>Mausevents und </a:t>
+            </a:r>
+            <a:r>
+              <a:rPr lang="de-DE" dirty="0" smtClean="0"/>
+              <a:t>die Logik des Setzverfahrens.</a:t>
             </a:r>
           </a:p>
         </p:txBody>
@@ -4555,7 +4667,7 @@
           <a:p>
             <a:fld id="{43EADD17-EDA7-4190-BE0A-00F3AB70E81E}" type="datetime1">
               <a:rPr lang="de-DE" smtClean="0"/>
-              <a:t>29.09.2015</a:t>
+              <a:t>30.09.2015</a:t>
             </a:fld>
             <a:endParaRPr lang="de-DE"/>
           </a:p>
@@ -4576,7 +4688,11 @@
           <a:bodyPr/>
           <a:lstStyle/>
           <a:p>
-            <a:endParaRPr lang="de-DE"/>
+            <a:r>
+              <a:rPr lang="de-DE" dirty="0" smtClean="0"/>
+              <a:t>Zeitmanagement</a:t>
+            </a:r>
+            <a:endParaRPr lang="de-DE" dirty="0"/>
           </a:p>
         </p:txBody>
       </p:sp>
@@ -4691,13 +4807,37 @@
           <a:p>
             <a:r>
               <a:rPr lang="de-DE" dirty="0" smtClean="0"/>
-              <a:t>Im Vergleich zur Projektplanung haben andere Probleme/Risiken kaum eine Verzögerung hervorgerufen. Das Speichern der Position der Spielfigur konnte dabei ohne Probleme implementiert werden.</a:t>
-            </a:r>
-          </a:p>
-          <a:p>
-            <a:r>
-              <a:rPr lang="de-DE" dirty="0" smtClean="0"/>
-              <a:t>Einige geplante Aufgaben, wie ein Statistikfenster oder ein Pausenmenü für Unterbrechungen, wurden hauptsächlich aus zeitlichen Gründen weggelassen. Ein weiteres Argument war der geringe Mehrwert im Vergleich zu dem Aufwand. Die dadurch entstandene Zeit wurde zum Debuggen verwendet. Das Debuggen stellte sich als sehr zeitaufwändig heraus. Sollte jemand ein solches Projekt durchführen, empfehlen wir von Anfang an einen </a:t>
+              <a:t>Im Vergleich zur Projektplanung haben andere Probleme/Risiken kaum eine Verzögerung hervorgerufen. Das Speichern der Position der Spielfigur konnte </a:t>
+            </a:r>
+            <a:r>
+              <a:rPr lang="de-DE" dirty="0" smtClean="0"/>
+              <a:t>dabei z.B. </a:t>
+            </a:r>
+            <a:r>
+              <a:rPr lang="de-DE" dirty="0" smtClean="0"/>
+              <a:t>ohne Probleme implementiert werden.</a:t>
+            </a:r>
+          </a:p>
+          <a:p>
+            <a:r>
+              <a:rPr lang="de-DE" dirty="0" smtClean="0"/>
+              <a:t>Einige geplante Aufgaben, wie ein Statistikfenster oder ein Pausenmenü für </a:t>
+            </a:r>
+            <a:r>
+              <a:rPr lang="de-DE" dirty="0" smtClean="0"/>
+              <a:t>Unterbrechungen wurden, </a:t>
+            </a:r>
+            <a:r>
+              <a:rPr lang="de-DE" dirty="0" smtClean="0"/>
+              <a:t>hauptsächlich aus zeitlichen </a:t>
+            </a:r>
+            <a:r>
+              <a:rPr lang="de-DE" dirty="0" smtClean="0"/>
+              <a:t>Gründen, </a:t>
+            </a:r>
+            <a:r>
+              <a:rPr lang="de-DE" dirty="0" smtClean="0"/>
+              <a:t>weggelassen. Ein weiteres Argument war der geringe Mehrwert im Vergleich zu dem Aufwand. Die dadurch entstandene Zeit wurde zum Debuggen verwendet. Das Debuggen stellte sich als sehr zeitaufwändig heraus. Sollte jemand ein solches Projekt durchführen, empfehlen wir von Anfang an einen </a:t>
             </a:r>
             <a:r>
               <a:rPr lang="de-DE" dirty="0" err="1" smtClean="0"/>
@@ -4705,7 +4845,15 @@
             </a:r>
             <a:r>
               <a:rPr lang="de-DE" dirty="0" smtClean="0"/>
-              <a:t> schaffen, indem bestimmte Fehlerfälle provoziert werden.</a:t>
+              <a:t> schaffen, indem bestimmte </a:t>
+            </a:r>
+            <a:r>
+              <a:rPr lang="de-DE" dirty="0" smtClean="0"/>
+              <a:t>Fehler- und Spezialfälle </a:t>
+            </a:r>
+            <a:r>
+              <a:rPr lang="de-DE" dirty="0" smtClean="0"/>
+              <a:t>provoziert werden.</a:t>
             </a:r>
           </a:p>
         </p:txBody>
@@ -4727,7 +4875,7 @@
           <a:p>
             <a:fld id="{43EADD17-EDA7-4190-BE0A-00F3AB70E81E}" type="datetime1">
               <a:rPr lang="de-DE" smtClean="0"/>
-              <a:t>29.09.2015</a:t>
+              <a:t>30.09.2015</a:t>
             </a:fld>
             <a:endParaRPr lang="de-DE"/>
           </a:p>
@@ -4748,7 +4896,11 @@
           <a:bodyPr/>
           <a:lstStyle/>
           <a:p>
-            <a:endParaRPr lang="de-DE"/>
+            <a:r>
+              <a:rPr lang="de-DE" dirty="0"/>
+              <a:t>Zeitmanagement</a:t>
+            </a:r>
+            <a:endParaRPr lang="de-DE" dirty="0"/>
           </a:p>
         </p:txBody>
       </p:sp>
@@ -5433,7 +5585,7 @@
           <a:p>
             <a:fld id="{43EADD17-EDA7-4190-BE0A-00F3AB70E81E}" type="datetime1">
               <a:rPr lang="de-DE" smtClean="0"/>
-              <a:t>29.09.2015</a:t>
+              <a:t>30.09.2015</a:t>
             </a:fld>
             <a:endParaRPr lang="de-DE"/>
           </a:p>
@@ -5454,7 +5606,11 @@
           <a:bodyPr/>
           <a:lstStyle/>
           <a:p>
-            <a:endParaRPr lang="de-DE"/>
+            <a:r>
+              <a:rPr lang="de-DE" dirty="0"/>
+              <a:t>Zeitmanagement</a:t>
+            </a:r>
+            <a:endParaRPr lang="de-DE" dirty="0"/>
           </a:p>
         </p:txBody>
       </p:sp>
@@ -5592,7 +5748,7 @@
           <a:p>
             <a:fld id="{43EADD17-EDA7-4190-BE0A-00F3AB70E81E}" type="datetime1">
               <a:rPr lang="de-DE" smtClean="0"/>
-              <a:t>29.09.2015</a:t>
+              <a:t>30.09.2015</a:t>
             </a:fld>
             <a:endParaRPr lang="de-DE"/>
           </a:p>
@@ -5613,7 +5769,15 @@
           <a:bodyPr/>
           <a:lstStyle/>
           <a:p>
-            <a:endParaRPr lang="de-DE"/>
+            <a:r>
+              <a:rPr lang="de-DE" dirty="0"/>
+              <a:t>Entwicklungsstadien der </a:t>
+            </a:r>
+            <a:r>
+              <a:rPr lang="de-DE" dirty="0" smtClean="0"/>
+              <a:t>Anwendung</a:t>
+            </a:r>
+            <a:endParaRPr lang="de-DE" dirty="0"/>
           </a:p>
         </p:txBody>
       </p:sp>
@@ -5781,7 +5945,7 @@
           <a:p>
             <a:fld id="{43EADD17-EDA7-4190-BE0A-00F3AB70E81E}" type="datetime1">
               <a:rPr lang="de-DE" smtClean="0"/>
-              <a:t>29.09.2015</a:t>
+              <a:t>30.09.2015</a:t>
             </a:fld>
             <a:endParaRPr lang="de-DE"/>
           </a:p>
@@ -5802,7 +5966,11 @@
           <a:bodyPr/>
           <a:lstStyle/>
           <a:p>
-            <a:endParaRPr lang="de-DE"/>
+            <a:r>
+              <a:rPr lang="de-DE" dirty="0"/>
+              <a:t>Entwicklungsstadien der Anwendung</a:t>
+            </a:r>
+            <a:endParaRPr lang="de-DE" dirty="0"/>
           </a:p>
         </p:txBody>
       </p:sp>
@@ -5970,7 +6138,7 @@
           <a:p>
             <a:fld id="{43EADD17-EDA7-4190-BE0A-00F3AB70E81E}" type="datetime1">
               <a:rPr lang="de-DE" smtClean="0"/>
-              <a:t>29.09.2015</a:t>
+              <a:t>30.09.2015</a:t>
             </a:fld>
             <a:endParaRPr lang="de-DE"/>
           </a:p>
@@ -5991,7 +6159,11 @@
           <a:bodyPr/>
           <a:lstStyle/>
           <a:p>
-            <a:endParaRPr lang="de-DE"/>
+            <a:r>
+              <a:rPr lang="de-DE" dirty="0"/>
+              <a:t>Entwicklungsstadien der Anwendung</a:t>
+            </a:r>
+            <a:endParaRPr lang="de-DE" dirty="0"/>
           </a:p>
         </p:txBody>
       </p:sp>
@@ -6026,7 +6198,7 @@
         </p:nvSpPr>
         <p:spPr>
           <a:xfrm>
-            <a:off x="3820088" y="5628243"/>
+            <a:off x="838200" y="5622964"/>
             <a:ext cx="4551824" cy="369332"/>
           </a:xfrm>
           <a:prstGeom prst="rect">
@@ -6078,6 +6250,51 @@
           </a:prstGeom>
         </p:spPr>
       </p:pic>
+      <p:sp>
+        <p:nvSpPr>
+          <p:cNvPr id="3" name="Textfeld 2"/>
+          <p:cNvSpPr txBox="1"/>
+          <p:nvPr/>
+        </p:nvSpPr>
+        <p:spPr>
+          <a:xfrm>
+            <a:off x="6189264" y="5622964"/>
+            <a:ext cx="4842672" cy="646331"/>
+          </a:xfrm>
+          <a:prstGeom prst="rect">
+            <a:avLst/>
+          </a:prstGeom>
+          <a:noFill/>
+        </p:spPr>
+        <p:txBody>
+          <a:bodyPr wrap="none" rtlCol="0">
+            <a:spAutoFit/>
+          </a:bodyPr>
+          <a:lstStyle/>
+          <a:p>
+            <a:r>
+              <a:rPr lang="de-DE" dirty="0" smtClean="0"/>
+              <a:t>Animation des Spielfeldaufbaus, bei welchem die </a:t>
+            </a:r>
+            <a:br>
+              <a:rPr lang="de-DE" dirty="0" smtClean="0"/>
+            </a:br>
+            <a:r>
+              <a:rPr lang="de-DE" dirty="0" smtClean="0"/>
+              <a:t>Spielfiguren</a:t>
+            </a:r>
+            <a:r>
+              <a:rPr lang="de-DE" dirty="0"/>
+              <a:t> </a:t>
+            </a:r>
+            <a:r>
+              <a:rPr lang="de-DE" dirty="0" smtClean="0"/>
+              <a:t>gesetzt werden</a:t>
+            </a:r>
+            <a:endParaRPr lang="de-DE" dirty="0"/>
+          </a:p>
+        </p:txBody>
+      </p:sp>
     </p:spTree>
     <p:extLst>
       <p:ext uri="{BB962C8B-B14F-4D97-AF65-F5344CB8AC3E}">
@@ -6266,7 +6483,7 @@
           <a:p>
             <a:fld id="{43EADD17-EDA7-4190-BE0A-00F3AB70E81E}" type="datetime1">
               <a:rPr lang="de-DE" smtClean="0"/>
-              <a:t>29.09.2015</a:t>
+              <a:t>30.09.2015</a:t>
             </a:fld>
             <a:endParaRPr lang="de-DE"/>
           </a:p>
@@ -6425,7 +6642,7 @@
           <a:p>
             <a:fld id="{43EADD17-EDA7-4190-BE0A-00F3AB70E81E}" type="datetime1">
               <a:rPr lang="de-DE" smtClean="0"/>
-              <a:t>29.09.2015</a:t>
+              <a:t>30.09.2015</a:t>
             </a:fld>
             <a:endParaRPr lang="de-DE"/>
           </a:p>
@@ -6446,7 +6663,11 @@
           <a:bodyPr/>
           <a:lstStyle/>
           <a:p>
-            <a:endParaRPr lang="de-DE"/>
+            <a:r>
+              <a:rPr lang="de-DE" dirty="0"/>
+              <a:t>Entwicklungsstadien der Anwendung</a:t>
+            </a:r>
+            <a:endParaRPr lang="de-DE" dirty="0"/>
           </a:p>
         </p:txBody>
       </p:sp>
@@ -6585,7 +6806,7 @@
           <a:p>
             <a:fld id="{43EADD17-EDA7-4190-BE0A-00F3AB70E81E}" type="datetime1">
               <a:rPr lang="de-DE" smtClean="0"/>
-              <a:t>29.09.2015</a:t>
+              <a:t>30.09.2015</a:t>
             </a:fld>
             <a:endParaRPr lang="de-DE"/>
           </a:p>
@@ -6606,7 +6827,11 @@
           <a:bodyPr/>
           <a:lstStyle/>
           <a:p>
-            <a:endParaRPr lang="de-DE"/>
+            <a:r>
+              <a:rPr lang="de-DE" dirty="0"/>
+              <a:t>Entwicklungsstadien der Anwendung</a:t>
+            </a:r>
+            <a:endParaRPr lang="de-DE" dirty="0"/>
           </a:p>
         </p:txBody>
       </p:sp>
@@ -6774,7 +6999,7 @@
           <a:p>
             <a:fld id="{43EADD17-EDA7-4190-BE0A-00F3AB70E81E}" type="datetime1">
               <a:rPr lang="de-DE" smtClean="0"/>
-              <a:t>29.09.2015</a:t>
+              <a:t>30.09.2015</a:t>
             </a:fld>
             <a:endParaRPr lang="de-DE"/>
           </a:p>
@@ -6795,7 +7020,11 @@
           <a:bodyPr/>
           <a:lstStyle/>
           <a:p>
-            <a:endParaRPr lang="de-DE"/>
+            <a:r>
+              <a:rPr lang="de-DE" dirty="0"/>
+              <a:t>Entwicklungsstadien der Anwendung</a:t>
+            </a:r>
+            <a:endParaRPr lang="de-DE" dirty="0"/>
           </a:p>
         </p:txBody>
       </p:sp>
@@ -6964,7 +7193,7 @@
           <a:p>
             <a:fld id="{43EADD17-EDA7-4190-BE0A-00F3AB70E81E}" type="datetime1">
               <a:rPr lang="de-DE" smtClean="0"/>
-              <a:t>29.09.2015</a:t>
+              <a:t>30.09.2015</a:t>
             </a:fld>
             <a:endParaRPr lang="de-DE"/>
           </a:p>
@@ -6985,7 +7214,11 @@
           <a:bodyPr/>
           <a:lstStyle/>
           <a:p>
-            <a:endParaRPr lang="de-DE"/>
+            <a:r>
+              <a:rPr lang="de-DE" dirty="0"/>
+              <a:t>Entwicklungsstadien der Anwendung</a:t>
+            </a:r>
+            <a:endParaRPr lang="de-DE" dirty="0"/>
           </a:p>
         </p:txBody>
       </p:sp>
@@ -7079,7 +7312,7 @@
         </p:nvSpPr>
         <p:spPr>
           <a:xfrm>
-            <a:off x="3447839" y="5174193"/>
+            <a:off x="421727" y="5174194"/>
             <a:ext cx="5296322" cy="369332"/>
           </a:xfrm>
           <a:prstGeom prst="rect">
@@ -7096,6 +7329,43 @@
             <a:r>
               <a:rPr lang="de-DE" dirty="0" smtClean="0"/>
               <a:t>Finales Spielmenü mit Spieler-, Farb- und Namenswahl</a:t>
+            </a:r>
+            <a:endParaRPr lang="de-DE" dirty="0"/>
+          </a:p>
+        </p:txBody>
+      </p:sp>
+      <p:sp>
+        <p:nvSpPr>
+          <p:cNvPr id="3" name="Textfeld 2"/>
+          <p:cNvSpPr txBox="1"/>
+          <p:nvPr/>
+        </p:nvSpPr>
+        <p:spPr>
+          <a:xfrm>
+            <a:off x="6392454" y="5174193"/>
+            <a:ext cx="5459315" cy="646331"/>
+          </a:xfrm>
+          <a:prstGeom prst="rect">
+            <a:avLst/>
+          </a:prstGeom>
+          <a:noFill/>
+        </p:spPr>
+        <p:txBody>
+          <a:bodyPr wrap="none" rtlCol="0">
+            <a:spAutoFit/>
+          </a:bodyPr>
+          <a:lstStyle/>
+          <a:p>
+            <a:r>
+              <a:rPr lang="de-DE" dirty="0" smtClean="0"/>
+              <a:t>Finales Spielmenü nach der Spieler- und Farbwahl. Nicht</a:t>
+            </a:r>
+            <a:br>
+              <a:rPr lang="de-DE" dirty="0" smtClean="0"/>
+            </a:br>
+            <a:r>
+              <a:rPr lang="de-DE" dirty="0" smtClean="0"/>
+              <a:t>benutzbare Farben werden ausgegraut.</a:t>
             </a:r>
             <a:endParaRPr lang="de-DE" dirty="0"/>
           </a:p>
@@ -7160,51 +7430,55 @@
           <a:p>
             <a:r>
               <a:rPr lang="de-DE" dirty="0" smtClean="0"/>
+              <a:t>Videozusammenfassung</a:t>
+            </a:r>
+            <a:endParaRPr lang="de-DE" dirty="0"/>
+          </a:p>
+        </p:txBody>
+      </p:sp>
+      <p:sp>
+        <p:nvSpPr>
+          <p:cNvPr id="4" name="Datumsplatzhalter 3"/>
+          <p:cNvSpPr>
+            <a:spLocks noGrp="1"/>
+          </p:cNvSpPr>
+          <p:nvPr>
+            <p:ph type="dt" sz="half" idx="10"/>
+          </p:nvPr>
+        </p:nvSpPr>
+        <p:spPr/>
+        <p:txBody>
+          <a:bodyPr/>
+          <a:lstStyle/>
+          <a:p>
+            <a:fld id="{43EADD17-EDA7-4190-BE0A-00F3AB70E81E}" type="datetime1">
+              <a:rPr lang="de-DE" smtClean="0"/>
+              <a:t>30.09.2015</a:t>
+            </a:fld>
+            <a:endParaRPr lang="de-DE"/>
+          </a:p>
+        </p:txBody>
+      </p:sp>
+      <p:sp>
+        <p:nvSpPr>
+          <p:cNvPr id="5" name="Fußzeilenplatzhalter 4"/>
+          <p:cNvSpPr>
+            <a:spLocks noGrp="1"/>
+          </p:cNvSpPr>
+          <p:nvPr>
+            <p:ph type="ftr" sz="quarter" idx="11"/>
+          </p:nvPr>
+        </p:nvSpPr>
+        <p:spPr/>
+        <p:txBody>
+          <a:bodyPr/>
+          <a:lstStyle/>
+          <a:p>
+            <a:r>
+              <a:rPr lang="de-DE" dirty="0" smtClean="0"/>
               <a:t>Demo der Anwendung</a:t>
             </a:r>
             <a:endParaRPr lang="de-DE" dirty="0"/>
-          </a:p>
-        </p:txBody>
-      </p:sp>
-      <p:sp>
-        <p:nvSpPr>
-          <p:cNvPr id="4" name="Datumsplatzhalter 3"/>
-          <p:cNvSpPr>
-            <a:spLocks noGrp="1"/>
-          </p:cNvSpPr>
-          <p:nvPr>
-            <p:ph type="dt" sz="half" idx="10"/>
-          </p:nvPr>
-        </p:nvSpPr>
-        <p:spPr/>
-        <p:txBody>
-          <a:bodyPr/>
-          <a:lstStyle/>
-          <a:p>
-            <a:fld id="{43EADD17-EDA7-4190-BE0A-00F3AB70E81E}" type="datetime1">
-              <a:rPr lang="de-DE" smtClean="0"/>
-              <a:t>29.09.2015</a:t>
-            </a:fld>
-            <a:endParaRPr lang="de-DE"/>
-          </a:p>
-        </p:txBody>
-      </p:sp>
-      <p:sp>
-        <p:nvSpPr>
-          <p:cNvPr id="5" name="Fußzeilenplatzhalter 4"/>
-          <p:cNvSpPr>
-            <a:spLocks noGrp="1"/>
-          </p:cNvSpPr>
-          <p:nvPr>
-            <p:ph type="ftr" sz="quarter" idx="11"/>
-          </p:nvPr>
-        </p:nvSpPr>
-        <p:spPr/>
-        <p:txBody>
-          <a:bodyPr/>
-          <a:lstStyle/>
-          <a:p>
-            <a:endParaRPr lang="de-DE"/>
           </a:p>
         </p:txBody>
       </p:sp>
@@ -7370,14 +7644,27 @@
           <a:p>
             <a:r>
               <a:rPr lang="de-DE" dirty="0" smtClean="0"/>
-              <a:t>Ein Spieler kann seine eigene Spielfigur „herauswerfen“ sofern diese sich auf dem gleichen Feld befindet</a:t>
-            </a:r>
-          </a:p>
-          <a:p>
-            <a:r>
-              <a:rPr lang="de-DE" dirty="0" smtClean="0"/>
-              <a:t>Sitzt eine Spielfigur im „Gewinnfeld“ kann diese nicht mehr gesetzt werden. Anderen Figuren ist es jedoch möglich diese zu überspringen</a:t>
-            </a:r>
+              <a:t>Ein Spieler kann seine eigene Spielfigur „herauswerfen</a:t>
+            </a:r>
+            <a:r>
+              <a:rPr lang="de-DE" dirty="0" smtClean="0"/>
+              <a:t>“, </a:t>
+            </a:r>
+            <a:r>
+              <a:rPr lang="de-DE" dirty="0" smtClean="0"/>
+              <a:t>sofern diese sich auf dem gleichen Feld befindet</a:t>
+            </a:r>
+          </a:p>
+          <a:p>
+            <a:r>
+              <a:rPr lang="de-DE" dirty="0" smtClean="0"/>
+              <a:t>Sitzt eine Spielfigur im „Gewinnfeld“ kann diese nicht mehr gesetzt werden. Anderen Figuren ist es jedoch möglich diese zu </a:t>
+            </a:r>
+            <a:r>
+              <a:rPr lang="de-DE" dirty="0" smtClean="0"/>
+              <a:t>überspringen/umgehen</a:t>
+            </a:r>
+            <a:endParaRPr lang="de-DE" dirty="0" smtClean="0"/>
           </a:p>
         </p:txBody>
       </p:sp>
@@ -7398,7 +7685,7 @@
           <a:p>
             <a:fld id="{43EADD17-EDA7-4190-BE0A-00F3AB70E81E}" type="datetime1">
               <a:rPr lang="de-DE" smtClean="0"/>
-              <a:t>29.09.2015</a:t>
+              <a:t>30.09.2015</a:t>
             </a:fld>
             <a:endParaRPr lang="de-DE"/>
           </a:p>
@@ -7419,7 +7706,11 @@
           <a:bodyPr/>
           <a:lstStyle/>
           <a:p>
-            <a:endParaRPr lang="de-DE"/>
+            <a:r>
+              <a:rPr lang="de-DE" dirty="0" smtClean="0"/>
+              <a:t>Anwendungserläuterung</a:t>
+            </a:r>
+            <a:endParaRPr lang="de-DE" dirty="0"/>
           </a:p>
         </p:txBody>
       </p:sp>
@@ -7533,57 +7824,65 @@
           <a:p>
             <a:r>
               <a:rPr lang="de-DE" dirty="0" smtClean="0"/>
-              <a:t>Sitzen zwei Spielfiguren unmittelbar vor einer dritten sitzen, wird lediglich eine Animation für das Ausweichen der ersten Figur erstellt</a:t>
-            </a:r>
-          </a:p>
-          <a:p>
-            <a:r>
-              <a:rPr lang="de-DE" dirty="0" smtClean="0"/>
-              <a:t>Keine Gewinnbedingung bisher berücksichtigt, sitzen alle Figuren auf den Gewinnfeldern passiert nichts weiter</a:t>
+              <a:t>Sitzen zwei Spielfiguren </a:t>
+            </a:r>
+            <a:r>
+              <a:rPr lang="de-DE" dirty="0" smtClean="0"/>
+              <a:t>direkt hintereinander und müssen von einer dritten Spielfigur umgangen werden, weicht lediglich die erste Figur aus, während die zweite „durchlaufen“ wird</a:t>
+            </a:r>
+          </a:p>
+          <a:p>
+            <a:r>
+              <a:rPr lang="de-DE" dirty="0" smtClean="0"/>
+              <a:t>Eine Spielfigur kann gesetzt werden, ehe der Würfelvorgang vorüber ist</a:t>
+            </a:r>
+            <a:endParaRPr lang="de-DE" dirty="0" smtClean="0"/>
+          </a:p>
+        </p:txBody>
+      </p:sp>
+      <p:sp>
+        <p:nvSpPr>
+          <p:cNvPr id="4" name="Datumsplatzhalter 3"/>
+          <p:cNvSpPr>
+            <a:spLocks noGrp="1"/>
+          </p:cNvSpPr>
+          <p:nvPr>
+            <p:ph type="dt" sz="half" idx="10"/>
+          </p:nvPr>
+        </p:nvSpPr>
+        <p:spPr/>
+        <p:txBody>
+          <a:bodyPr/>
+          <a:lstStyle/>
+          <a:p>
+            <a:fld id="{43EADD17-EDA7-4190-BE0A-00F3AB70E81E}" type="datetime1">
+              <a:rPr lang="de-DE" smtClean="0"/>
+              <a:t>30.09.2015</a:t>
+            </a:fld>
+            <a:endParaRPr lang="de-DE"/>
+          </a:p>
+        </p:txBody>
+      </p:sp>
+      <p:sp>
+        <p:nvSpPr>
+          <p:cNvPr id="5" name="Fußzeilenplatzhalter 4"/>
+          <p:cNvSpPr>
+            <a:spLocks noGrp="1"/>
+          </p:cNvSpPr>
+          <p:nvPr>
+            <p:ph type="ftr" sz="quarter" idx="11"/>
+          </p:nvPr>
+        </p:nvSpPr>
+        <p:spPr/>
+        <p:txBody>
+          <a:bodyPr/>
+          <a:lstStyle/>
+          <a:p>
+            <a:r>
+              <a:rPr lang="de-DE" dirty="0"/>
+              <a:t>Anwendungserläuterung</a:t>
             </a:r>
             <a:endParaRPr lang="de-DE" dirty="0"/>
-          </a:p>
-        </p:txBody>
-      </p:sp>
-      <p:sp>
-        <p:nvSpPr>
-          <p:cNvPr id="4" name="Datumsplatzhalter 3"/>
-          <p:cNvSpPr>
-            <a:spLocks noGrp="1"/>
-          </p:cNvSpPr>
-          <p:nvPr>
-            <p:ph type="dt" sz="half" idx="10"/>
-          </p:nvPr>
-        </p:nvSpPr>
-        <p:spPr/>
-        <p:txBody>
-          <a:bodyPr/>
-          <a:lstStyle/>
-          <a:p>
-            <a:fld id="{43EADD17-EDA7-4190-BE0A-00F3AB70E81E}" type="datetime1">
-              <a:rPr lang="de-DE" smtClean="0"/>
-              <a:t>29.09.2015</a:t>
-            </a:fld>
-            <a:endParaRPr lang="de-DE"/>
-          </a:p>
-        </p:txBody>
-      </p:sp>
-      <p:sp>
-        <p:nvSpPr>
-          <p:cNvPr id="5" name="Fußzeilenplatzhalter 4"/>
-          <p:cNvSpPr>
-            <a:spLocks noGrp="1"/>
-          </p:cNvSpPr>
-          <p:nvPr>
-            <p:ph type="ftr" sz="quarter" idx="11"/>
-          </p:nvPr>
-        </p:nvSpPr>
-        <p:spPr/>
-        <p:txBody>
-          <a:bodyPr/>
-          <a:lstStyle/>
-          <a:p>
-            <a:endParaRPr lang="de-DE"/>
           </a:p>
         </p:txBody>
       </p:sp>
@@ -7718,8 +8017,19 @@
             <a:pPr lvl="1"/>
             <a:r>
               <a:rPr lang="de-DE" dirty="0" smtClean="0"/>
-              <a:t>Tween.js</a:t>
-            </a:r>
+              <a:t>Tween.js (Quelle: </a:t>
+            </a:r>
+            <a:r>
+              <a:rPr lang="de-DE" dirty="0" smtClean="0">
+                <a:hlinkClick r:id="rId2"/>
+              </a:rPr>
+              <a:t>Tween</a:t>
+            </a:r>
+            <a:r>
+              <a:rPr lang="de-DE" dirty="0" smtClean="0"/>
+              <a:t>)</a:t>
+            </a:r>
+            <a:endParaRPr lang="de-DE" dirty="0" smtClean="0"/>
           </a:p>
           <a:p>
             <a:pPr lvl="2"/>
@@ -7734,6 +8044,10 @@
               <a:rPr lang="de-DE" dirty="0" err="1" smtClean="0"/>
               <a:t>jQuery</a:t>
             </a:r>
+            <a:r>
+              <a:rPr lang="de-DE" dirty="0" smtClean="0"/>
+              <a:t> </a:t>
+            </a:r>
             <a:endParaRPr lang="de-DE" dirty="0" smtClean="0"/>
           </a:p>
           <a:p>
@@ -7747,8 +8061,19 @@
             <a:pPr lvl="1"/>
             <a:r>
               <a:rPr lang="de-DE" dirty="0" smtClean="0"/>
+              <a:t>Bootstrap (Quelle: </a:t>
+            </a:r>
+            <a:r>
+              <a:rPr lang="de-DE" dirty="0" smtClean="0">
+                <a:hlinkClick r:id="rId3"/>
+              </a:rPr>
               <a:t>Bootstrap</a:t>
             </a:r>
+            <a:r>
+              <a:rPr lang="de-DE" dirty="0" smtClean="0"/>
+              <a:t>)</a:t>
+            </a:r>
+            <a:endParaRPr lang="de-DE" dirty="0" smtClean="0"/>
           </a:p>
           <a:p>
             <a:pPr lvl="2"/>
@@ -7760,8 +8085,18 @@
           <a:p>
             <a:pPr lvl="1"/>
             <a:r>
-              <a:rPr lang="de-DE" dirty="0" err="1" smtClean="0"/>
-              <a:t>Orbitcontrols</a:t>
+              <a:rPr lang="de-DE" dirty="0" smtClean="0"/>
+              <a:t>OrbitControls (Quelle: </a:t>
+            </a:r>
+            <a:r>
+              <a:rPr lang="de-DE" dirty="0" smtClean="0">
+                <a:hlinkClick r:id="rId4"/>
+              </a:rPr>
+              <a:t>OrbitControls</a:t>
+            </a:r>
+            <a:r>
+              <a:rPr lang="de-DE" dirty="0" smtClean="0"/>
+              <a:t>)</a:t>
             </a:r>
             <a:endParaRPr lang="de-DE" dirty="0" smtClean="0"/>
           </a:p>
@@ -7792,7 +8127,7 @@
           <a:p>
             <a:fld id="{43EADD17-EDA7-4190-BE0A-00F3AB70E81E}" type="datetime1">
               <a:rPr lang="de-DE" smtClean="0"/>
-              <a:t>29.09.2015</a:t>
+              <a:t>30.09.2015</a:t>
             </a:fld>
             <a:endParaRPr lang="de-DE"/>
           </a:p>
@@ -7813,7 +8148,15 @@
           <a:bodyPr/>
           <a:lstStyle/>
           <a:p>
-            <a:endParaRPr lang="de-DE"/>
+            <a:r>
+              <a:rPr lang="de-DE" dirty="0"/>
+              <a:t>Systemarchitektur der </a:t>
+            </a:r>
+            <a:r>
+              <a:rPr lang="de-DE" dirty="0" smtClean="0"/>
+              <a:t>Anwendung</a:t>
+            </a:r>
+            <a:endParaRPr lang="de-DE" dirty="0"/>
           </a:p>
         </p:txBody>
       </p:sp>
@@ -7984,7 +8327,7 @@
           <a:p>
             <a:fld id="{43EADD17-EDA7-4190-BE0A-00F3AB70E81E}" type="datetime1">
               <a:rPr lang="de-DE" smtClean="0"/>
-              <a:t>29.09.2015</a:t>
+              <a:t>30.09.2015</a:t>
             </a:fld>
             <a:endParaRPr lang="de-DE"/>
           </a:p>
@@ -8005,7 +8348,11 @@
           <a:bodyPr/>
           <a:lstStyle/>
           <a:p>
-            <a:endParaRPr lang="de-DE"/>
+            <a:r>
+              <a:rPr lang="de-DE" dirty="0"/>
+              <a:t>Systemarchitektur der Anwendung</a:t>
+            </a:r>
+            <a:endParaRPr lang="de-DE" dirty="0"/>
           </a:p>
         </p:txBody>
       </p:sp>
@@ -8133,14 +8480,22 @@
             <a:pPr lvl="1"/>
             <a:r>
               <a:rPr lang="de-DE" dirty="0" smtClean="0"/>
-              <a:t>Beinhaltet sowohl die Initialisierung der Spielfelder. Dazu zählen die Hausfelder der Spielfiguren, die Gewinnfelder aller Farben und Spielfiguren aller Farben</a:t>
+              <a:t>Beinhaltet </a:t>
+            </a:r>
+            <a:r>
+              <a:rPr lang="de-DE" dirty="0" smtClean="0"/>
+              <a:t>die </a:t>
+            </a:r>
+            <a:r>
+              <a:rPr lang="de-DE" dirty="0" smtClean="0"/>
+              <a:t>Initialisierung der Spielfelder. Dazu zählen die Hausfelder der Spielfiguren, die Gewinnfelder aller Farben und Spielfiguren aller Farben</a:t>
             </a:r>
           </a:p>
           <a:p>
             <a:pPr lvl="1"/>
             <a:r>
               <a:rPr lang="de-DE" dirty="0" smtClean="0"/>
-              <a:t>Die ersten Animationen, wenn das Spiel gestartet wird, finden hier statt</a:t>
+              <a:t>Erste Positionierung der 3D-Elemente für die Startanimation</a:t>
             </a:r>
             <a:endParaRPr lang="de-DE" dirty="0"/>
           </a:p>
@@ -8163,7 +8518,7 @@
           <a:p>
             <a:fld id="{43EADD17-EDA7-4190-BE0A-00F3AB70E81E}" type="datetime1">
               <a:rPr lang="de-DE" smtClean="0"/>
-              <a:t>29.09.2015</a:t>
+              <a:t>30.09.2015</a:t>
             </a:fld>
             <a:endParaRPr lang="de-DE"/>
           </a:p>
@@ -8184,7 +8539,11 @@
           <a:bodyPr/>
           <a:lstStyle/>
           <a:p>
-            <a:endParaRPr lang="de-DE"/>
+            <a:r>
+              <a:rPr lang="de-DE" dirty="0"/>
+              <a:t>Systemarchitektur der Anwendung</a:t>
+            </a:r>
+            <a:endParaRPr lang="de-DE" dirty="0"/>
           </a:p>
         </p:txBody>
       </p:sp>
@@ -8367,7 +8726,7 @@
           <a:p>
             <a:fld id="{43EADD17-EDA7-4190-BE0A-00F3AB70E81E}" type="datetime1">
               <a:rPr lang="de-DE" smtClean="0"/>
-              <a:t>29.09.2015</a:t>
+              <a:t>30.09.2015</a:t>
             </a:fld>
             <a:endParaRPr lang="de-DE"/>
           </a:p>
@@ -8388,7 +8747,11 @@
           <a:bodyPr/>
           <a:lstStyle/>
           <a:p>
-            <a:endParaRPr lang="de-DE"/>
+            <a:r>
+              <a:rPr lang="de-DE" dirty="0"/>
+              <a:t>Systemarchitektur der Anwendung</a:t>
+            </a:r>
+            <a:endParaRPr lang="de-DE" dirty="0"/>
           </a:p>
         </p:txBody>
       </p:sp>
